--- a/PresentationSlide.pptx
+++ b/PresentationSlide.pptx
@@ -5,25 +5,27 @@
     <p:sldMasterId id="2147483660" r:id="rId1"/>
   </p:sldMasterIdLst>
   <p:notesMasterIdLst>
-    <p:notesMasterId r:id="rId13"/>
+    <p:notesMasterId r:id="rId15"/>
   </p:notesMasterIdLst>
   <p:sldIdLst>
     <p:sldId id="256" r:id="rId2"/>
-    <p:sldId id="270" r:id="rId3"/>
-    <p:sldId id="269" r:id="rId4"/>
-    <p:sldId id="265" r:id="rId5"/>
-    <p:sldId id="263" r:id="rId6"/>
-    <p:sldId id="258" r:id="rId7"/>
-    <p:sldId id="267" r:id="rId8"/>
-    <p:sldId id="260" r:id="rId9"/>
-    <p:sldId id="259" r:id="rId10"/>
-    <p:sldId id="268" r:id="rId11"/>
-    <p:sldId id="264" r:id="rId12"/>
+    <p:sldId id="265" r:id="rId3"/>
+    <p:sldId id="271" r:id="rId4"/>
+    <p:sldId id="272" r:id="rId5"/>
+    <p:sldId id="273" r:id="rId6"/>
+    <p:sldId id="270" r:id="rId7"/>
+    <p:sldId id="269" r:id="rId8"/>
+    <p:sldId id="263" r:id="rId9"/>
+    <p:sldId id="258" r:id="rId10"/>
+    <p:sldId id="267" r:id="rId11"/>
+    <p:sldId id="260" r:id="rId12"/>
+    <p:sldId id="268" r:id="rId13"/>
+    <p:sldId id="264" r:id="rId14"/>
   </p:sldIdLst>
   <p:sldSz cx="9144000" cy="6858000" type="screen4x3"/>
   <p:notesSz cx="6858000" cy="9144000"/>
   <p:custDataLst>
-    <p:tags r:id="rId14"/>
+    <p:tags r:id="rId16"/>
   </p:custDataLst>
   <p:defaultTextStyle>
     <a:defPPr>
@@ -221,7 +223,7 @@
           <a:p>
             <a:fld id="{71B4D6E0-AC5D-40E6-9854-E07DDA236362}" type="datetimeFigureOut">
               <a:rPr kumimoji="1" lang="ja-JP" altLang="en-US" smtClean="0"/>
-              <a:t>2017/2/3</a:t>
+              <a:t>2017/2/7</a:t>
             </a:fld>
             <a:endParaRPr kumimoji="1" lang="ja-JP" altLang="en-US"/>
           </a:p>
@@ -669,7 +671,7 @@
           <a:p>
             <a:fld id="{23089D04-4AA1-4AE0-8279-6E4FE5DB1ED6}" type="slidenum">
               <a:rPr kumimoji="1" lang="ja-JP" altLang="en-US" smtClean="0"/>
-              <a:t>6</a:t>
+              <a:t>9</a:t>
             </a:fld>
             <a:endParaRPr kumimoji="1" lang="ja-JP" altLang="en-US"/>
           </a:p>
@@ -819,7 +821,7 @@
           <a:p>
             <a:fld id="{000DEC80-893A-425C-8121-3FDBB55DB681}" type="datetime1">
               <a:rPr kumimoji="1" lang="ja-JP" altLang="en-US" smtClean="0"/>
-              <a:t>2017/2/3</a:t>
+              <a:t>2017/2/7</a:t>
             </a:fld>
             <a:endParaRPr kumimoji="1" lang="ja-JP" altLang="en-US"/>
           </a:p>
@@ -1021,7 +1023,7 @@
           <a:p>
             <a:fld id="{67F155F9-1006-459B-A3C6-9352210C76D1}" type="datetime1">
               <a:rPr kumimoji="1" lang="ja-JP" altLang="en-US" smtClean="0"/>
-              <a:t>2017/2/3</a:t>
+              <a:t>2017/2/7</a:t>
             </a:fld>
             <a:endParaRPr kumimoji="1" lang="ja-JP" altLang="en-US"/>
           </a:p>
@@ -1233,7 +1235,7 @@
           <a:p>
             <a:fld id="{AAA01DF5-C481-4ABE-A3FA-27324C94B74D}" type="datetime1">
               <a:rPr kumimoji="1" lang="ja-JP" altLang="en-US" smtClean="0"/>
-              <a:t>2017/2/3</a:t>
+              <a:t>2017/2/7</a:t>
             </a:fld>
             <a:endParaRPr kumimoji="1" lang="ja-JP" altLang="en-US"/>
           </a:p>
@@ -1435,7 +1437,7 @@
           <a:p>
             <a:fld id="{A988C94F-335A-4E8F-B477-D6DF371C2809}" type="datetime1">
               <a:rPr kumimoji="1" lang="ja-JP" altLang="en-US" smtClean="0"/>
-              <a:t>2017/2/3</a:t>
+              <a:t>2017/2/7</a:t>
             </a:fld>
             <a:endParaRPr kumimoji="1" lang="ja-JP" altLang="en-US"/>
           </a:p>
@@ -1679,7 +1681,7 @@
           <a:p>
             <a:fld id="{7D12096A-6E42-42F8-9AB4-F2A730E8294E}" type="datetime1">
               <a:rPr kumimoji="1" lang="ja-JP" altLang="en-US" smtClean="0"/>
-              <a:t>2017/2/3</a:t>
+              <a:t>2017/2/7</a:t>
             </a:fld>
             <a:endParaRPr kumimoji="1" lang="ja-JP" altLang="en-US"/>
           </a:p>
@@ -1975,7 +1977,7 @@
           <a:p>
             <a:fld id="{DE64C8BF-F7D1-44CD-A02B-C61731019415}" type="datetime1">
               <a:rPr kumimoji="1" lang="ja-JP" altLang="en-US" smtClean="0"/>
-              <a:t>2017/2/3</a:t>
+              <a:t>2017/2/7</a:t>
             </a:fld>
             <a:endParaRPr kumimoji="1" lang="ja-JP" altLang="en-US"/>
           </a:p>
@@ -2406,7 +2408,7 @@
           <a:p>
             <a:fld id="{34497793-A12D-47DA-B5C2-A03F0BAC00A9}" type="datetime1">
               <a:rPr kumimoji="1" lang="ja-JP" altLang="en-US" smtClean="0"/>
-              <a:t>2017/2/3</a:t>
+              <a:t>2017/2/7</a:t>
             </a:fld>
             <a:endParaRPr kumimoji="1" lang="ja-JP" altLang="en-US"/>
           </a:p>
@@ -2524,7 +2526,7 @@
           <a:p>
             <a:fld id="{BA8770FA-462B-4268-91D7-83A6C5DE53C7}" type="datetime1">
               <a:rPr kumimoji="1" lang="ja-JP" altLang="en-US" smtClean="0"/>
-              <a:t>2017/2/3</a:t>
+              <a:t>2017/2/7</a:t>
             </a:fld>
             <a:endParaRPr kumimoji="1" lang="ja-JP" altLang="en-US"/>
           </a:p>
@@ -2619,7 +2621,7 @@
           <a:p>
             <a:fld id="{6B84E885-546B-4254-A49B-EF486CF0FE99}" type="datetime1">
               <a:rPr kumimoji="1" lang="ja-JP" altLang="en-US" smtClean="0"/>
-              <a:t>2017/2/3</a:t>
+              <a:t>2017/2/7</a:t>
             </a:fld>
             <a:endParaRPr kumimoji="1" lang="ja-JP" altLang="en-US"/>
           </a:p>
@@ -2928,7 +2930,7 @@
           <a:p>
             <a:fld id="{5410F25A-E418-4C82-AAEE-83EF82441EE2}" type="datetime1">
               <a:rPr kumimoji="1" lang="ja-JP" altLang="en-US" smtClean="0"/>
-              <a:t>2017/2/3</a:t>
+              <a:t>2017/2/7</a:t>
             </a:fld>
             <a:endParaRPr kumimoji="1" lang="ja-JP" altLang="en-US"/>
           </a:p>
@@ -3185,7 +3187,7 @@
           <a:p>
             <a:fld id="{07F462C4-6B2A-4020-BB49-F0C2164D16A0}" type="datetime1">
               <a:rPr kumimoji="1" lang="ja-JP" altLang="en-US" smtClean="0"/>
-              <a:t>2017/2/3</a:t>
+              <a:t>2017/2/7</a:t>
             </a:fld>
             <a:endParaRPr kumimoji="1" lang="ja-JP" altLang="en-US"/>
           </a:p>
@@ -3430,7 +3432,7 @@
           <a:p>
             <a:fld id="{E1EBAB1C-EB29-4FD7-AF80-936DD8A8E415}" type="datetime1">
               <a:rPr kumimoji="1" lang="ja-JP" altLang="en-US" smtClean="0"/>
-              <a:t>2017/2/3</a:t>
+              <a:t>2017/2/7</a:t>
             </a:fld>
             <a:endParaRPr kumimoji="1" lang="ja-JP" altLang="en-US"/>
           </a:p>
@@ -4036,7 +4038,7 @@
               <a:rPr lang="ja-JP" altLang="en-US" dirty="0">
                 <a:latin typeface="+mj-ea"/>
               </a:rPr>
-              <a:t>今後の課題</a:t>
+              <a:t>手法：怪しい通信の監視</a:t>
             </a:r>
             <a:endParaRPr kumimoji="1" lang="ja-JP" altLang="en-US" dirty="0">
               <a:latin typeface="+mj-ea"/>
@@ -4170,6 +4172,433 @@
             <a:fld id="{EB6A3DD5-99EC-4EDD-8C09-808CCDC94454}" type="slidenum">
               <a:rPr kumimoji="1" lang="ja-JP" altLang="en-US" smtClean="0"/>
               <a:t>10</a:t>
+            </a:fld>
+            <a:endParaRPr kumimoji="1" lang="ja-JP" altLang="en-US"/>
+          </a:p>
+        </p:txBody>
+      </p:sp>
+    </p:spTree>
+    <p:extLst>
+      <p:ext uri="{BB962C8B-B14F-4D97-AF65-F5344CB8AC3E}">
+        <p14:creationId xmlns:p14="http://schemas.microsoft.com/office/powerpoint/2010/main" val="2761327078"/>
+      </p:ext>
+    </p:extLst>
+  </p:cSld>
+  <p:clrMapOvr>
+    <a:masterClrMapping/>
+  </p:clrMapOvr>
+</p:sld>
+</file>
+
+<file path=ppt/slides/slide11.xml><?xml version="1.0" encoding="utf-8"?>
+<p:sld xmlns:a="http://schemas.openxmlformats.org/drawingml/2006/main" xmlns:r="http://schemas.openxmlformats.org/officeDocument/2006/relationships" xmlns:p="http://schemas.openxmlformats.org/presentationml/2006/main">
+  <p:cSld>
+    <p:spTree>
+      <p:nvGrpSpPr>
+        <p:cNvPr id="1" name=""/>
+        <p:cNvGrpSpPr/>
+        <p:nvPr/>
+      </p:nvGrpSpPr>
+      <p:grpSpPr>
+        <a:xfrm>
+          <a:off x="0" y="0"/>
+          <a:ext cx="0" cy="0"/>
+          <a:chOff x="0" y="0"/>
+          <a:chExt cx="0" cy="0"/>
+        </a:xfrm>
+      </p:grpSpPr>
+      <p:sp>
+        <p:nvSpPr>
+          <p:cNvPr id="3" name="コンテンツ プレースホルダー 2"/>
+          <p:cNvSpPr>
+            <a:spLocks noGrp="1"/>
+          </p:cNvSpPr>
+          <p:nvPr>
+            <p:ph idx="1"/>
+          </p:nvPr>
+        </p:nvSpPr>
+        <p:spPr/>
+        <p:txBody>
+          <a:bodyPr/>
+          <a:lstStyle/>
+          <a:p>
+            <a:r>
+              <a:rPr kumimoji="1" lang="en-US" altLang="ja-JP" dirty="0">
+                <a:latin typeface="+mj-ea"/>
+                <a:ea typeface="+mj-ea"/>
+              </a:rPr>
+              <a:t>SDN</a:t>
+            </a:r>
+            <a:r>
+              <a:rPr kumimoji="1" lang="ja-JP" altLang="en-US" dirty="0">
+                <a:latin typeface="+mj-ea"/>
+                <a:ea typeface="+mj-ea"/>
+              </a:rPr>
+              <a:t>の規格である</a:t>
+            </a:r>
+            <a:r>
+              <a:rPr kumimoji="1" lang="en-US" altLang="ja-JP" dirty="0" err="1">
+                <a:latin typeface="+mj-ea"/>
+                <a:ea typeface="+mj-ea"/>
+              </a:rPr>
+              <a:t>OpenFlow</a:t>
+            </a:r>
+            <a:r>
+              <a:rPr kumimoji="1" lang="ja-JP" altLang="en-US" dirty="0">
+                <a:latin typeface="+mj-ea"/>
+                <a:ea typeface="+mj-ea"/>
+              </a:rPr>
+              <a:t>と</a:t>
+            </a:r>
+            <a:r>
+              <a:rPr kumimoji="1" lang="en-US" altLang="ja-JP" dirty="0">
+                <a:latin typeface="+mj-ea"/>
+                <a:ea typeface="+mj-ea"/>
+              </a:rPr>
+              <a:t>VLAN</a:t>
+            </a:r>
+            <a:r>
+              <a:rPr kumimoji="1" lang="ja-JP" altLang="en-US" dirty="0">
+                <a:latin typeface="+mj-ea"/>
+                <a:ea typeface="+mj-ea"/>
+              </a:rPr>
+              <a:t>を組み</a:t>
+            </a:r>
+            <a:br>
+              <a:rPr kumimoji="1" lang="en-US" altLang="ja-JP" dirty="0">
+                <a:latin typeface="+mj-ea"/>
+                <a:ea typeface="+mj-ea"/>
+              </a:rPr>
+            </a:br>
+            <a:r>
+              <a:rPr kumimoji="1" lang="ja-JP" altLang="en-US" dirty="0">
+                <a:latin typeface="+mj-ea"/>
+                <a:ea typeface="+mj-ea"/>
+              </a:rPr>
+              <a:t>合わせたプログラム</a:t>
+            </a:r>
+            <a:endParaRPr kumimoji="1" lang="en-US" altLang="ja-JP" dirty="0">
+              <a:latin typeface="+mj-ea"/>
+              <a:ea typeface="+mj-ea"/>
+            </a:endParaRPr>
+          </a:p>
+          <a:p>
+            <a:r>
+              <a:rPr lang="en-US" altLang="ja-JP" dirty="0">
+                <a:latin typeface="+mj-ea"/>
+                <a:ea typeface="+mj-ea"/>
+              </a:rPr>
+              <a:t>VLAN</a:t>
+            </a:r>
+            <a:r>
+              <a:rPr lang="ja-JP" altLang="en-US" dirty="0">
+                <a:latin typeface="+mj-ea"/>
+                <a:ea typeface="+mj-ea"/>
+              </a:rPr>
+              <a:t>を用いてセグメントを分割し、</a:t>
+            </a:r>
+            <a:r>
+              <a:rPr lang="en-US" altLang="ja-JP" dirty="0" err="1">
+                <a:latin typeface="+mj-ea"/>
+                <a:ea typeface="+mj-ea"/>
+              </a:rPr>
+              <a:t>OpenFlow</a:t>
+            </a:r>
+            <a:r>
+              <a:rPr lang="ja-JP" altLang="en-US" dirty="0">
+                <a:latin typeface="+mj-ea"/>
+                <a:ea typeface="+mj-ea"/>
+              </a:rPr>
+              <a:t>を</a:t>
+            </a:r>
+            <a:br>
+              <a:rPr lang="en-US" altLang="ja-JP" dirty="0">
+                <a:latin typeface="+mj-ea"/>
+                <a:ea typeface="+mj-ea"/>
+              </a:rPr>
+            </a:br>
+            <a:r>
+              <a:rPr lang="ja-JP" altLang="en-US" dirty="0">
+                <a:latin typeface="+mj-ea"/>
+                <a:ea typeface="+mj-ea"/>
+              </a:rPr>
+              <a:t>用いてパケットの動きをコントロール</a:t>
+            </a:r>
+            <a:endParaRPr lang="en-US" altLang="ja-JP" dirty="0">
+              <a:latin typeface="+mj-ea"/>
+              <a:ea typeface="+mj-ea"/>
+            </a:endParaRPr>
+          </a:p>
+          <a:p>
+            <a:pPr lvl="1"/>
+            <a:r>
+              <a:rPr lang="ja-JP" altLang="en-US" dirty="0">
+                <a:latin typeface="+mj-ea"/>
+                <a:ea typeface="+mj-ea"/>
+              </a:rPr>
+              <a:t>他セグメントへのパケット通信ができないため、不正な</a:t>
+            </a:r>
+            <a:br>
+              <a:rPr lang="en-US" altLang="ja-JP" dirty="0">
+                <a:latin typeface="+mj-ea"/>
+                <a:ea typeface="+mj-ea"/>
+              </a:rPr>
+            </a:br>
+            <a:r>
+              <a:rPr lang="ja-JP" altLang="en-US" dirty="0">
+                <a:latin typeface="+mj-ea"/>
+                <a:ea typeface="+mj-ea"/>
+              </a:rPr>
+              <a:t>パケットの介入を防げる</a:t>
+            </a:r>
+            <a:endParaRPr lang="en-US" altLang="ja-JP" dirty="0">
+              <a:latin typeface="+mj-ea"/>
+              <a:ea typeface="+mj-ea"/>
+            </a:endParaRPr>
+          </a:p>
+          <a:p>
+            <a:endParaRPr lang="en-US" altLang="ja-JP" dirty="0">
+              <a:latin typeface="+mj-ea"/>
+              <a:ea typeface="+mj-ea"/>
+            </a:endParaRPr>
+          </a:p>
+        </p:txBody>
+      </p:sp>
+      <p:sp>
+        <p:nvSpPr>
+          <p:cNvPr id="4" name="スライド番号プレースホルダー 3"/>
+          <p:cNvSpPr>
+            <a:spLocks noGrp="1"/>
+          </p:cNvSpPr>
+          <p:nvPr>
+            <p:ph type="sldNum" sz="quarter" idx="12"/>
+          </p:nvPr>
+        </p:nvSpPr>
+        <p:spPr/>
+        <p:txBody>
+          <a:bodyPr/>
+          <a:lstStyle/>
+          <a:p>
+            <a:fld id="{EB6A3DD5-99EC-4EDD-8C09-808CCDC94454}" type="slidenum">
+              <a:rPr kumimoji="1" lang="ja-JP" altLang="en-US" smtClean="0"/>
+              <a:t>11</a:t>
+            </a:fld>
+            <a:endParaRPr kumimoji="1" lang="ja-JP" altLang="en-US"/>
+          </a:p>
+        </p:txBody>
+      </p:sp>
+      <p:sp>
+        <p:nvSpPr>
+          <p:cNvPr id="7" name="タイトル 1"/>
+          <p:cNvSpPr>
+            <a:spLocks noGrp="1"/>
+          </p:cNvSpPr>
+          <p:nvPr>
+            <p:ph type="title"/>
+          </p:nvPr>
+        </p:nvSpPr>
+        <p:spPr>
+          <a:xfrm>
+            <a:off x="628650" y="365126"/>
+            <a:ext cx="7886700" cy="1325563"/>
+          </a:xfrm>
+        </p:spPr>
+        <p:txBody>
+          <a:bodyPr/>
+          <a:lstStyle/>
+          <a:p>
+            <a:r>
+              <a:rPr kumimoji="1" lang="ja-JP" altLang="en-US" dirty="0">
+                <a:latin typeface="+mj-ea"/>
+              </a:rPr>
+              <a:t>シミュレータによる検証</a:t>
+            </a:r>
+          </a:p>
+        </p:txBody>
+      </p:sp>
+    </p:spTree>
+    <p:extLst>
+      <p:ext uri="{BB962C8B-B14F-4D97-AF65-F5344CB8AC3E}">
+        <p14:creationId xmlns:p14="http://schemas.microsoft.com/office/powerpoint/2010/main" val="1186034396"/>
+      </p:ext>
+    </p:extLst>
+  </p:cSld>
+  <p:clrMapOvr>
+    <a:masterClrMapping/>
+  </p:clrMapOvr>
+</p:sld>
+</file>
+
+<file path=ppt/slides/slide12.xml><?xml version="1.0" encoding="utf-8"?>
+<p:sld xmlns:a="http://schemas.openxmlformats.org/drawingml/2006/main" xmlns:r="http://schemas.openxmlformats.org/officeDocument/2006/relationships" xmlns:p="http://schemas.openxmlformats.org/presentationml/2006/main">
+  <p:cSld>
+    <p:spTree>
+      <p:nvGrpSpPr>
+        <p:cNvPr id="1" name=""/>
+        <p:cNvGrpSpPr/>
+        <p:nvPr/>
+      </p:nvGrpSpPr>
+      <p:grpSpPr>
+        <a:xfrm>
+          <a:off x="0" y="0"/>
+          <a:ext cx="0" cy="0"/>
+          <a:chOff x="0" y="0"/>
+          <a:chExt cx="0" cy="0"/>
+        </a:xfrm>
+      </p:grpSpPr>
+      <p:sp>
+        <p:nvSpPr>
+          <p:cNvPr id="2" name="タイトル 1"/>
+          <p:cNvSpPr>
+            <a:spLocks noGrp="1"/>
+          </p:cNvSpPr>
+          <p:nvPr>
+            <p:ph type="title"/>
+          </p:nvPr>
+        </p:nvSpPr>
+        <p:spPr/>
+        <p:txBody>
+          <a:bodyPr/>
+          <a:lstStyle/>
+          <a:p>
+            <a:r>
+              <a:rPr lang="ja-JP" altLang="en-US" dirty="0">
+                <a:latin typeface="+mj-ea"/>
+              </a:rPr>
+              <a:t>今後の課題</a:t>
+            </a:r>
+            <a:endParaRPr kumimoji="1" lang="ja-JP" altLang="en-US" dirty="0">
+              <a:latin typeface="+mj-ea"/>
+            </a:endParaRPr>
+          </a:p>
+        </p:txBody>
+      </p:sp>
+      <p:sp>
+        <p:nvSpPr>
+          <p:cNvPr id="3" name="コンテンツ プレースホルダー 2"/>
+          <p:cNvSpPr>
+            <a:spLocks noGrp="1"/>
+          </p:cNvSpPr>
+          <p:nvPr>
+            <p:ph idx="1"/>
+          </p:nvPr>
+        </p:nvSpPr>
+        <p:spPr/>
+        <p:txBody>
+          <a:bodyPr/>
+          <a:lstStyle/>
+          <a:p>
+            <a:r>
+              <a:rPr lang="en-US" altLang="ja-JP" dirty="0">
+                <a:latin typeface="+mn-ea"/>
+              </a:rPr>
+              <a:t>SDN</a:t>
+            </a:r>
+            <a:r>
+              <a:rPr lang="ja-JP" altLang="en-US" dirty="0">
+                <a:latin typeface="+mn-ea"/>
+              </a:rPr>
+              <a:t>コントローラ</a:t>
+            </a:r>
+            <a:endParaRPr lang="en-US" altLang="ja-JP" dirty="0">
+              <a:latin typeface="+mn-ea"/>
+            </a:endParaRPr>
+          </a:p>
+          <a:p>
+            <a:pPr lvl="1"/>
+            <a:r>
+              <a:rPr lang="ja-JP" altLang="en-US" dirty="0">
+                <a:latin typeface="+mn-ea"/>
+              </a:rPr>
+              <a:t>怪しい通信を</a:t>
+            </a:r>
+            <a:r>
+              <a:rPr lang="en-US" altLang="ja-JP" dirty="0">
+                <a:latin typeface="+mn-ea"/>
+              </a:rPr>
+              <a:t>DPI</a:t>
+            </a:r>
+            <a:r>
+              <a:rPr lang="ja-JP" altLang="en-US" dirty="0">
+                <a:latin typeface="+mn-ea"/>
+              </a:rPr>
+              <a:t>装置のある</a:t>
+            </a:r>
+            <a:r>
+              <a:rPr lang="en-US" altLang="ja-JP" dirty="0">
+                <a:latin typeface="+mn-ea"/>
+              </a:rPr>
+              <a:t>VLAN</a:t>
+            </a:r>
+            <a:r>
+              <a:rPr lang="ja-JP" altLang="en-US" dirty="0">
+                <a:latin typeface="+mn-ea"/>
+              </a:rPr>
+              <a:t>へ経路誘導</a:t>
+            </a:r>
+            <a:endParaRPr lang="en-US" altLang="ja-JP" dirty="0">
+              <a:latin typeface="+mn-ea"/>
+            </a:endParaRPr>
+          </a:p>
+          <a:p>
+            <a:pPr lvl="1"/>
+            <a:r>
+              <a:rPr lang="en-US" altLang="ja-JP" dirty="0">
+                <a:latin typeface="+mn-ea"/>
+              </a:rPr>
+              <a:t>DPI</a:t>
+            </a:r>
+            <a:r>
+              <a:rPr lang="ja-JP" altLang="en-US" dirty="0">
+                <a:latin typeface="+mn-ea"/>
+              </a:rPr>
+              <a:t>装置による判定結果を</a:t>
+            </a:r>
+            <a:r>
+              <a:rPr lang="en-US" altLang="ja-JP" dirty="0">
+                <a:latin typeface="+mn-ea"/>
+              </a:rPr>
+              <a:t>expiration time</a:t>
+            </a:r>
+            <a:r>
+              <a:rPr lang="ja-JP" altLang="en-US" dirty="0">
+                <a:latin typeface="+mn-ea"/>
+              </a:rPr>
+              <a:t>の調整に</a:t>
+            </a:r>
+            <a:br>
+              <a:rPr lang="en-US" altLang="ja-JP" dirty="0">
+                <a:latin typeface="+mn-ea"/>
+              </a:rPr>
+            </a:br>
+            <a:r>
+              <a:rPr lang="ja-JP" altLang="en-US" dirty="0">
+                <a:latin typeface="+mn-ea"/>
+              </a:rPr>
+              <a:t>反映</a:t>
+            </a:r>
+            <a:endParaRPr kumimoji="1" lang="ja-JP" altLang="en-US" dirty="0"/>
+          </a:p>
+        </p:txBody>
+      </p:sp>
+      <p:sp>
+        <p:nvSpPr>
+          <p:cNvPr id="4" name="スライド番号プレースホルダー 3"/>
+          <p:cNvSpPr>
+            <a:spLocks noGrp="1"/>
+          </p:cNvSpPr>
+          <p:nvPr>
+            <p:ph type="sldNum" sz="quarter" idx="12"/>
+          </p:nvPr>
+        </p:nvSpPr>
+        <p:spPr/>
+        <p:txBody>
+          <a:bodyPr/>
+          <a:lstStyle/>
+          <a:p>
+            <a:fld id="{EB6A3DD5-99EC-4EDD-8C09-808CCDC94454}" type="slidenum">
+              <a:rPr kumimoji="1" lang="ja-JP" altLang="en-US" smtClean="0"/>
+              <a:t>12</a:t>
             </a:fld>
             <a:endParaRPr kumimoji="1" lang="ja-JP" altLang="en-US"/>
           </a:p>
@@ -4188,7 +4617,7 @@
 </p:sld>
 </file>
 
-<file path=ppt/slides/slide11.xml><?xml version="1.0" encoding="utf-8"?>
+<file path=ppt/slides/slide13.xml><?xml version="1.0" encoding="utf-8"?>
 <p:sld xmlns:a="http://schemas.openxmlformats.org/drawingml/2006/main" xmlns:r="http://schemas.openxmlformats.org/officeDocument/2006/relationships" xmlns:p="http://schemas.openxmlformats.org/presentationml/2006/main" show="0">
   <p:cSld>
     <p:spTree>
@@ -4387,7 +4816,7 @@
           <a:p>
             <a:fld id="{EB6A3DD5-99EC-4EDD-8C09-808CCDC94454}" type="slidenum">
               <a:rPr kumimoji="1" lang="ja-JP" altLang="en-US" smtClean="0"/>
-              <a:t>11</a:t>
+              <a:t>13</a:t>
             </a:fld>
             <a:endParaRPr kumimoji="1" lang="ja-JP" altLang="en-US"/>
           </a:p>
@@ -4433,31 +4862,27 @@
             <p:ph type="title"/>
           </p:nvPr>
         </p:nvSpPr>
-        <p:spPr/>
-        <p:txBody>
-          <a:bodyPr/>
-          <a:lstStyle/>
-          <a:p>
-            <a:endParaRPr kumimoji="1" lang="ja-JP" altLang="en-US"/>
-          </a:p>
-        </p:txBody>
-      </p:sp>
-      <p:sp>
-        <p:nvSpPr>
-          <p:cNvPr id="3" name="コンテンツ プレースホルダー 2"/>
-          <p:cNvSpPr>
-            <a:spLocks noGrp="1"/>
-          </p:cNvSpPr>
-          <p:nvPr>
-            <p:ph idx="1"/>
-          </p:nvPr>
-        </p:nvSpPr>
-        <p:spPr/>
-        <p:txBody>
-          <a:bodyPr/>
-          <a:lstStyle/>
-          <a:p>
-            <a:endParaRPr kumimoji="1" lang="ja-JP" altLang="en-US"/>
+        <p:spPr>
+          <a:xfrm>
+            <a:off x="628649" y="365126"/>
+            <a:ext cx="8334047" cy="1325563"/>
+          </a:xfrm>
+        </p:spPr>
+        <p:txBody>
+          <a:bodyPr/>
+          <a:lstStyle/>
+          <a:p>
+            <a:r>
+              <a:rPr lang="ja-JP" altLang="en-US" dirty="0">
+                <a:latin typeface="+mn-ea"/>
+                <a:ea typeface="+mn-ea"/>
+              </a:rPr>
+              <a:t>研究背景</a:t>
+            </a:r>
+            <a:endParaRPr kumimoji="1" lang="ja-JP" altLang="en-US" dirty="0">
+              <a:latin typeface="+mn-ea"/>
+              <a:ea typeface="+mn-ea"/>
+            </a:endParaRPr>
           </a:p>
         </p:txBody>
       </p:sp>
@@ -4484,10 +4909,190 @@
           </a:p>
         </p:txBody>
       </p:sp>
+      <p:sp>
+        <p:nvSpPr>
+          <p:cNvPr id="9" name="コンテンツ プレースホルダー 2"/>
+          <p:cNvSpPr>
+            <a:spLocks noGrp="1"/>
+          </p:cNvSpPr>
+          <p:nvPr>
+            <p:ph idx="1"/>
+          </p:nvPr>
+        </p:nvSpPr>
+        <p:spPr>
+          <a:xfrm>
+            <a:off x="628650" y="1825625"/>
+            <a:ext cx="7886700" cy="4351338"/>
+          </a:xfrm>
+        </p:spPr>
+        <p:txBody>
+          <a:bodyPr/>
+          <a:lstStyle/>
+          <a:p>
+            <a:r>
+              <a:rPr lang="ja-JP" altLang="en-US" dirty="0">
+                <a:latin typeface="+mn-ea"/>
+              </a:rPr>
+              <a:t>内部ネットワークに潜む脅威</a:t>
+            </a:r>
+            <a:endParaRPr kumimoji="1" lang="en-US" altLang="ja-JP" dirty="0">
+              <a:latin typeface="+mn-ea"/>
+            </a:endParaRPr>
+          </a:p>
+          <a:p>
+            <a:pPr lvl="1"/>
+            <a:r>
+              <a:rPr kumimoji="1" lang="ja-JP" altLang="en-US" dirty="0">
+                <a:latin typeface="+mn-ea"/>
+              </a:rPr>
+              <a:t>従来：外部からのネットワーク経由での攻撃</a:t>
+            </a:r>
+            <a:endParaRPr kumimoji="1" lang="en-US" altLang="ja-JP" dirty="0">
+              <a:latin typeface="+mn-ea"/>
+            </a:endParaRPr>
+          </a:p>
+          <a:p>
+            <a:pPr lvl="2"/>
+            <a:r>
+              <a:rPr lang="ja-JP" altLang="en-US" dirty="0">
+                <a:latin typeface="+mn-ea"/>
+              </a:rPr>
+              <a:t>ファイアウォールによる防御</a:t>
+            </a:r>
+            <a:endParaRPr lang="en-US" altLang="ja-JP" dirty="0">
+              <a:latin typeface="+mn-ea"/>
+            </a:endParaRPr>
+          </a:p>
+          <a:p>
+            <a:pPr lvl="2"/>
+            <a:r>
+              <a:rPr lang="ja-JP" altLang="en-US" dirty="0">
+                <a:latin typeface="+mn-ea"/>
+              </a:rPr>
+              <a:t>サーバーで動作するソフトウェアの脆弱性対策</a:t>
+            </a:r>
+            <a:endParaRPr lang="en-US" altLang="ja-JP" dirty="0">
+              <a:latin typeface="+mn-ea"/>
+            </a:endParaRPr>
+          </a:p>
+          <a:p>
+            <a:pPr lvl="1"/>
+            <a:endParaRPr lang="en-US" altLang="ja-JP" dirty="0">
+              <a:latin typeface="+mn-ea"/>
+            </a:endParaRPr>
+          </a:p>
+          <a:p>
+            <a:pPr lvl="1"/>
+            <a:r>
+              <a:rPr lang="ja-JP" altLang="en-US" dirty="0">
+                <a:latin typeface="+mn-ea"/>
+              </a:rPr>
+              <a:t>今後：内部への脅威の持ち込み</a:t>
+            </a:r>
+            <a:endParaRPr lang="en-US" altLang="ja-JP" dirty="0">
+              <a:latin typeface="+mn-ea"/>
+            </a:endParaRPr>
+          </a:p>
+          <a:p>
+            <a:pPr lvl="2"/>
+            <a:r>
+              <a:rPr lang="en-US" altLang="ja-JP" dirty="0">
+                <a:latin typeface="+mn-ea"/>
+              </a:rPr>
+              <a:t>BYOD</a:t>
+            </a:r>
+            <a:r>
+              <a:rPr lang="ja-JP" altLang="en-US" dirty="0">
+                <a:latin typeface="+mn-ea"/>
+              </a:rPr>
+              <a:t>（ノート</a:t>
+            </a:r>
+            <a:r>
+              <a:rPr lang="en-US" altLang="ja-JP" dirty="0">
+                <a:latin typeface="+mn-ea"/>
+              </a:rPr>
+              <a:t>PC</a:t>
+            </a:r>
+            <a:r>
+              <a:rPr lang="ja-JP" altLang="en-US" dirty="0">
+                <a:latin typeface="+mn-ea"/>
+              </a:rPr>
+              <a:t>や</a:t>
+            </a:r>
+            <a:r>
+              <a:rPr lang="en-US" altLang="ja-JP" dirty="0">
+                <a:latin typeface="+mn-ea"/>
+              </a:rPr>
+              <a:t>USB</a:t>
+            </a:r>
+            <a:r>
+              <a:rPr lang="ja-JP" altLang="en-US" dirty="0">
+                <a:latin typeface="+mn-ea"/>
+              </a:rPr>
+              <a:t>メモリ持ち込み）</a:t>
+            </a:r>
+            <a:endParaRPr lang="en-US" altLang="ja-JP" dirty="0">
+              <a:latin typeface="+mn-ea"/>
+            </a:endParaRPr>
+          </a:p>
+          <a:p>
+            <a:pPr lvl="2"/>
+            <a:r>
+              <a:rPr lang="en-US" altLang="ja-JP" dirty="0">
+                <a:latin typeface="+mn-ea"/>
+              </a:rPr>
+              <a:t>BYOS</a:t>
+            </a:r>
+            <a:r>
+              <a:rPr lang="ja-JP" altLang="en-US" dirty="0">
+                <a:latin typeface="+mn-ea"/>
+              </a:rPr>
+              <a:t>（</a:t>
+            </a:r>
+            <a:r>
+              <a:rPr lang="en-US" altLang="ja-JP" dirty="0">
+                <a:latin typeface="+mn-ea"/>
+              </a:rPr>
+              <a:t>Dropbox</a:t>
+            </a:r>
+            <a:r>
+              <a:rPr lang="ja-JP" altLang="en-US" dirty="0">
+                <a:latin typeface="+mn-ea"/>
+              </a:rPr>
+              <a:t>などへの接続</a:t>
+            </a:r>
+            <a:endParaRPr lang="en-US" altLang="ja-JP" dirty="0">
+              <a:latin typeface="+mn-ea"/>
+            </a:endParaRPr>
+          </a:p>
+          <a:p>
+            <a:pPr marL="914400" lvl="2" indent="0">
+              <a:buNone/>
+            </a:pPr>
+            <a:endParaRPr lang="en-US" altLang="ja-JP" dirty="0">
+              <a:latin typeface="+mn-ea"/>
+            </a:endParaRPr>
+          </a:p>
+          <a:p>
+            <a:pPr marL="0" indent="0">
+              <a:buNone/>
+            </a:pPr>
+            <a:r>
+              <a:rPr lang="ja-JP" altLang="en-US" dirty="0">
+                <a:latin typeface="+mn-ea"/>
+              </a:rPr>
+              <a:t>⇒ファイアウォールでは防げない</a:t>
+            </a:r>
+            <a:endParaRPr lang="en-US" altLang="ja-JP" dirty="0">
+              <a:latin typeface="+mn-ea"/>
+            </a:endParaRPr>
+          </a:p>
+        </p:txBody>
+      </p:sp>
     </p:spTree>
     <p:extLst>
       <p:ext uri="{BB962C8B-B14F-4D97-AF65-F5344CB8AC3E}">
-        <p14:creationId xmlns:p14="http://schemas.microsoft.com/office/powerpoint/2010/main" val="2278157715"/>
+        <p14:creationId xmlns:p14="http://schemas.microsoft.com/office/powerpoint/2010/main" val="2468963995"/>
       </p:ext>
     </p:extLst>
   </p:cSld>
@@ -4530,10 +5135,9 @@
           <a:lstStyle/>
           <a:p>
             <a:r>
-              <a:rPr lang="ja-JP" altLang="en-US" dirty="0"/>
-              <a:t>以下、中間発表分</a:t>
-            </a:r>
-            <a:endParaRPr kumimoji="1" lang="ja-JP" altLang="en-US" dirty="0"/>
+              <a:rPr kumimoji="1" lang="ja-JP" altLang="en-US" dirty="0"/>
+              <a:t>研究背景</a:t>
+            </a:r>
           </a:p>
         </p:txBody>
       </p:sp>
@@ -4552,7 +5156,135 @@
           <a:bodyPr/>
           <a:lstStyle/>
           <a:p>
-            <a:endParaRPr kumimoji="1" lang="ja-JP" altLang="en-US" dirty="0"/>
+            <a:r>
+              <a:rPr kumimoji="1" lang="ja-JP" altLang="en-US" dirty="0">
+                <a:latin typeface="+mj-ea"/>
+                <a:ea typeface="+mj-ea"/>
+              </a:rPr>
+              <a:t>愛媛大学ネットワーク</a:t>
+            </a:r>
+            <a:r>
+              <a:rPr kumimoji="1" lang="en-US" altLang="ja-JP" dirty="0">
+                <a:latin typeface="+mj-ea"/>
+                <a:ea typeface="+mj-ea"/>
+              </a:rPr>
+              <a:t>EUNET</a:t>
+            </a:r>
+            <a:endParaRPr lang="en-US" altLang="ja-JP" dirty="0">
+              <a:latin typeface="+mj-ea"/>
+              <a:ea typeface="+mj-ea"/>
+            </a:endParaRPr>
+          </a:p>
+          <a:p>
+            <a:pPr lvl="1"/>
+            <a:r>
+              <a:rPr kumimoji="1" lang="ja-JP" altLang="en-US" dirty="0">
+                <a:latin typeface="+mj-ea"/>
+                <a:ea typeface="+mj-ea"/>
+              </a:rPr>
+              <a:t>愛媛大学の</a:t>
+            </a:r>
+            <a:r>
+              <a:rPr kumimoji="1" lang="en-US" altLang="ja-JP" dirty="0">
+                <a:latin typeface="+mj-ea"/>
+                <a:ea typeface="+mj-ea"/>
+              </a:rPr>
+              <a:t>4</a:t>
+            </a:r>
+            <a:r>
+              <a:rPr kumimoji="1" lang="ja-JP" altLang="en-US" dirty="0">
+                <a:latin typeface="+mj-ea"/>
+                <a:ea typeface="+mj-ea"/>
+              </a:rPr>
+              <a:t>キャンパス全てを網羅するネットワーク</a:t>
+            </a:r>
+            <a:endParaRPr kumimoji="1" lang="en-US" altLang="ja-JP" dirty="0">
+              <a:latin typeface="+mj-ea"/>
+              <a:ea typeface="+mj-ea"/>
+            </a:endParaRPr>
+          </a:p>
+          <a:p>
+            <a:pPr lvl="1"/>
+            <a:r>
+              <a:rPr lang="en-US" altLang="ja-JP" dirty="0">
+                <a:latin typeface="+mj-ea"/>
+                <a:ea typeface="+mj-ea"/>
+              </a:rPr>
+              <a:t>700</a:t>
+            </a:r>
+            <a:r>
+              <a:rPr lang="ja-JP" altLang="en-US" dirty="0">
+                <a:latin typeface="+mj-ea"/>
+                <a:ea typeface="+mj-ea"/>
+              </a:rPr>
+              <a:t>以上のネットワーク機器</a:t>
+            </a:r>
+            <a:endParaRPr lang="en-US" altLang="ja-JP" dirty="0">
+              <a:latin typeface="+mj-ea"/>
+              <a:ea typeface="+mj-ea"/>
+            </a:endParaRPr>
+          </a:p>
+          <a:p>
+            <a:pPr lvl="1"/>
+            <a:r>
+              <a:rPr kumimoji="1" lang="ja-JP" altLang="en-US" dirty="0">
+                <a:latin typeface="+mj-ea"/>
+                <a:ea typeface="+mj-ea"/>
+              </a:rPr>
+              <a:t>中核部に「スーパーコア」を設置</a:t>
+            </a:r>
+            <a:endParaRPr kumimoji="1" lang="en-US" altLang="ja-JP" dirty="0">
+              <a:latin typeface="+mj-ea"/>
+              <a:ea typeface="+mj-ea"/>
+            </a:endParaRPr>
+          </a:p>
+          <a:p>
+            <a:pPr lvl="1"/>
+            <a:endParaRPr lang="en-US" altLang="ja-JP" dirty="0">
+              <a:latin typeface="+mj-ea"/>
+              <a:ea typeface="+mj-ea"/>
+            </a:endParaRPr>
+          </a:p>
+          <a:p>
+            <a:r>
+              <a:rPr kumimoji="1" lang="ja-JP" altLang="en-US" dirty="0">
+                <a:latin typeface="+mj-ea"/>
+                <a:ea typeface="+mj-ea"/>
+              </a:rPr>
+              <a:t>スーパーコア</a:t>
+            </a:r>
+            <a:endParaRPr kumimoji="1" lang="en-US" altLang="ja-JP" dirty="0">
+              <a:latin typeface="+mj-ea"/>
+              <a:ea typeface="+mj-ea"/>
+            </a:endParaRPr>
+          </a:p>
+          <a:p>
+            <a:pPr lvl="1"/>
+            <a:r>
+              <a:rPr kumimoji="1" lang="ja-JP" altLang="en-US" dirty="0">
+                <a:latin typeface="+mj-ea"/>
+                <a:ea typeface="+mj-ea"/>
+              </a:rPr>
+              <a:t>侵入防御システムなどを導入</a:t>
+            </a:r>
+            <a:endParaRPr kumimoji="1" lang="en-US" altLang="ja-JP" dirty="0">
+              <a:latin typeface="+mj-ea"/>
+              <a:ea typeface="+mj-ea"/>
+            </a:endParaRPr>
+          </a:p>
+          <a:p>
+            <a:pPr lvl="1"/>
+            <a:r>
+              <a:rPr lang="ja-JP" altLang="en-US" dirty="0">
+                <a:latin typeface="+mj-ea"/>
+                <a:ea typeface="+mj-ea"/>
+              </a:rPr>
+              <a:t>異なるセグメント間の通信は必ず通過、検疫</a:t>
+            </a:r>
+            <a:endParaRPr lang="en-US" altLang="ja-JP" dirty="0">
+              <a:latin typeface="+mj-ea"/>
+              <a:ea typeface="+mj-ea"/>
+            </a:endParaRPr>
           </a:p>
         </p:txBody>
       </p:sp>
@@ -4582,7 +5314,7 @@
     </p:spTree>
     <p:extLst>
       <p:ext uri="{BB962C8B-B14F-4D97-AF65-F5344CB8AC3E}">
-        <p14:creationId xmlns:p14="http://schemas.microsoft.com/office/powerpoint/2010/main" val="204555731"/>
+        <p14:creationId xmlns:p14="http://schemas.microsoft.com/office/powerpoint/2010/main" val="2693681263"/>
       </p:ext>
     </p:extLst>
   </p:cSld>
@@ -4619,22 +5351,147 @@
             <p:ph type="title"/>
           </p:nvPr>
         </p:nvSpPr>
-        <p:spPr>
-          <a:xfrm>
-            <a:off x="628649" y="365126"/>
-            <a:ext cx="8334047" cy="1325563"/>
-          </a:xfrm>
-        </p:spPr>
-        <p:txBody>
-          <a:bodyPr/>
-          <a:lstStyle/>
-          <a:p>
-            <a:r>
-              <a:rPr lang="ja-JP" altLang="en-US" dirty="0"/>
-              <a:t>背景：内部ネットワークに潜む脅威</a:t>
-            </a:r>
-            <a:endParaRPr kumimoji="1" lang="ja-JP" altLang="en-US" dirty="0">
+        <p:spPr/>
+        <p:txBody>
+          <a:bodyPr/>
+          <a:lstStyle/>
+          <a:p>
+            <a:r>
+              <a:rPr kumimoji="1" lang="ja-JP" altLang="en-US" dirty="0"/>
+              <a:t>研究背景</a:t>
+            </a:r>
+          </a:p>
+        </p:txBody>
+      </p:sp>
+      <p:sp>
+        <p:nvSpPr>
+          <p:cNvPr id="3" name="コンテンツ プレースホルダー 2"/>
+          <p:cNvSpPr>
+            <a:spLocks noGrp="1"/>
+          </p:cNvSpPr>
+          <p:nvPr>
+            <p:ph idx="1"/>
+          </p:nvPr>
+        </p:nvSpPr>
+        <p:spPr/>
+        <p:txBody>
+          <a:bodyPr/>
+          <a:lstStyle/>
+          <a:p>
+            <a:r>
+              <a:rPr lang="ja-JP" altLang="en-US" dirty="0">
+                <a:latin typeface="+mj-ea"/>
+                <a:ea typeface="+mj-ea"/>
+              </a:rPr>
+              <a:t>現在の</a:t>
+            </a:r>
+            <a:r>
+              <a:rPr lang="en-US" altLang="ja-JP" dirty="0">
+                <a:latin typeface="+mj-ea"/>
+                <a:ea typeface="+mj-ea"/>
+              </a:rPr>
+              <a:t>EUNET</a:t>
+            </a:r>
+            <a:r>
+              <a:rPr lang="ja-JP" altLang="en-US" dirty="0">
+                <a:latin typeface="+mj-ea"/>
+                <a:ea typeface="+mj-ea"/>
+              </a:rPr>
+              <a:t>の課題</a:t>
+            </a:r>
+            <a:endParaRPr lang="en-US" altLang="ja-JP" dirty="0">
               <a:latin typeface="+mj-ea"/>
+              <a:ea typeface="+mj-ea"/>
+            </a:endParaRPr>
+          </a:p>
+          <a:p>
+            <a:pPr lvl="1"/>
+            <a:r>
+              <a:rPr lang="ja-JP" altLang="en-US" dirty="0">
+                <a:latin typeface="+mj-ea"/>
+                <a:ea typeface="+mj-ea"/>
+              </a:rPr>
+              <a:t>セグメントが異なる場合のみスーパーコアを通すこと</a:t>
+            </a:r>
+            <a:br>
+              <a:rPr lang="en-US" altLang="ja-JP" dirty="0">
+                <a:latin typeface="+mj-ea"/>
+                <a:ea typeface="+mj-ea"/>
+              </a:rPr>
+            </a:br>
+            <a:r>
+              <a:rPr lang="ja-JP" altLang="en-US" dirty="0">
+                <a:latin typeface="+mj-ea"/>
+                <a:ea typeface="+mj-ea"/>
+              </a:rPr>
+              <a:t>による、ルーティングの複雑化</a:t>
+            </a:r>
+            <a:endParaRPr lang="en-US" altLang="ja-JP" dirty="0">
+              <a:latin typeface="+mj-ea"/>
+              <a:ea typeface="+mj-ea"/>
+            </a:endParaRPr>
+          </a:p>
+          <a:p>
+            <a:pPr lvl="1"/>
+            <a:endParaRPr lang="en-US" altLang="ja-JP" dirty="0">
+              <a:latin typeface="+mj-ea"/>
+              <a:ea typeface="+mj-ea"/>
+            </a:endParaRPr>
+          </a:p>
+          <a:p>
+            <a:pPr lvl="1"/>
+            <a:r>
+              <a:rPr lang="ja-JP" altLang="en-US" dirty="0">
+                <a:latin typeface="+mj-ea"/>
+                <a:ea typeface="+mj-ea"/>
+              </a:rPr>
+              <a:t>スーパーコア周辺の経路制御の特殊性</a:t>
+            </a:r>
+            <a:endParaRPr lang="en-US" altLang="ja-JP" dirty="0">
+              <a:latin typeface="+mj-ea"/>
+              <a:ea typeface="+mj-ea"/>
+            </a:endParaRPr>
+          </a:p>
+          <a:p>
+            <a:pPr lvl="2"/>
+            <a:r>
+              <a:rPr lang="ja-JP" altLang="en-US" dirty="0">
+                <a:latin typeface="+mj-ea"/>
+                <a:ea typeface="+mj-ea"/>
+              </a:rPr>
+              <a:t>現在、スーパーコアを正常に稼働させられる</a:t>
+            </a:r>
+            <a:r>
+              <a:rPr lang="en-US" altLang="ja-JP" dirty="0">
+                <a:latin typeface="+mj-ea"/>
+                <a:ea typeface="+mj-ea"/>
+              </a:rPr>
+              <a:t>IPS</a:t>
+            </a:r>
+            <a:r>
+              <a:rPr lang="ja-JP" altLang="en-US" dirty="0">
+                <a:latin typeface="+mj-ea"/>
+                <a:ea typeface="+mj-ea"/>
+              </a:rPr>
+              <a:t>は</a:t>
+            </a:r>
+            <a:r>
+              <a:rPr lang="en-US" altLang="ja-JP" dirty="0">
+                <a:latin typeface="+mj-ea"/>
+                <a:ea typeface="+mj-ea"/>
+              </a:rPr>
+              <a:t>1</a:t>
+            </a:r>
+            <a:r>
+              <a:rPr lang="ja-JP" altLang="en-US" dirty="0">
+                <a:latin typeface="+mj-ea"/>
+                <a:ea typeface="+mj-ea"/>
+              </a:rPr>
+              <a:t>つ</a:t>
+            </a:r>
+            <a:endParaRPr lang="en-US" altLang="ja-JP" dirty="0">
+              <a:latin typeface="+mj-ea"/>
+              <a:ea typeface="+mj-ea"/>
             </a:endParaRPr>
           </a:p>
         </p:txBody>
@@ -4662,166 +5519,9 @@
           </a:p>
         </p:txBody>
       </p:sp>
-      <p:sp>
-        <p:nvSpPr>
-          <p:cNvPr id="9" name="コンテンツ プレースホルダー 2"/>
-          <p:cNvSpPr>
-            <a:spLocks noGrp="1"/>
-          </p:cNvSpPr>
-          <p:nvPr>
-            <p:ph idx="1"/>
-          </p:nvPr>
-        </p:nvSpPr>
-        <p:spPr>
-          <a:xfrm>
-            <a:off x="628650" y="1825625"/>
-            <a:ext cx="7886700" cy="4351338"/>
-          </a:xfrm>
-        </p:spPr>
-        <p:txBody>
-          <a:bodyPr/>
-          <a:lstStyle/>
-          <a:p>
-            <a:r>
-              <a:rPr kumimoji="1" lang="ja-JP" altLang="en-US" dirty="0">
-                <a:latin typeface="+mn-ea"/>
-              </a:rPr>
-              <a:t>従来：外部からのネットワーク経由での攻撃</a:t>
-            </a:r>
-            <a:endParaRPr kumimoji="1" lang="en-US" altLang="ja-JP" dirty="0">
-              <a:latin typeface="+mn-ea"/>
-            </a:endParaRPr>
-          </a:p>
-          <a:p>
-            <a:pPr lvl="1"/>
-            <a:r>
-              <a:rPr lang="ja-JP" altLang="en-US" dirty="0">
-                <a:latin typeface="+mn-ea"/>
-              </a:rPr>
-              <a:t>ファイアウォールによる防御</a:t>
-            </a:r>
-            <a:endParaRPr lang="en-US" altLang="ja-JP" dirty="0">
-              <a:latin typeface="+mn-ea"/>
-            </a:endParaRPr>
-          </a:p>
-          <a:p>
-            <a:pPr lvl="1"/>
-            <a:r>
-              <a:rPr lang="ja-JP" altLang="en-US" dirty="0">
-                <a:latin typeface="+mn-ea"/>
-              </a:rPr>
-              <a:t>サーバーで動作するソフトウェアの脆弱性対策</a:t>
-            </a:r>
-            <a:endParaRPr lang="en-US" altLang="ja-JP" dirty="0">
-              <a:latin typeface="+mn-ea"/>
-            </a:endParaRPr>
-          </a:p>
-          <a:p>
-            <a:pPr lvl="1"/>
-            <a:endParaRPr lang="en-US" altLang="ja-JP" dirty="0">
-              <a:latin typeface="+mn-ea"/>
-            </a:endParaRPr>
-          </a:p>
-          <a:p>
-            <a:r>
-              <a:rPr lang="ja-JP" altLang="en-US" dirty="0">
-                <a:latin typeface="+mn-ea"/>
-              </a:rPr>
-              <a:t>今後：内部への脅威の持ち込み</a:t>
-            </a:r>
-            <a:endParaRPr lang="en-US" altLang="ja-JP" dirty="0">
-              <a:latin typeface="+mn-ea"/>
-            </a:endParaRPr>
-          </a:p>
-          <a:p>
-            <a:pPr lvl="1"/>
-            <a:r>
-              <a:rPr lang="en-US" altLang="ja-JP" dirty="0">
-                <a:latin typeface="+mn-ea"/>
-              </a:rPr>
-              <a:t>BYOD</a:t>
-            </a:r>
-            <a:r>
-              <a:rPr lang="ja-JP" altLang="en-US" dirty="0">
-                <a:latin typeface="+mn-ea"/>
-              </a:rPr>
-              <a:t>（ノート</a:t>
-            </a:r>
-            <a:r>
-              <a:rPr lang="en-US" altLang="ja-JP" dirty="0">
-                <a:latin typeface="+mn-ea"/>
-              </a:rPr>
-              <a:t>PC</a:t>
-            </a:r>
-            <a:r>
-              <a:rPr lang="ja-JP" altLang="en-US" dirty="0">
-                <a:latin typeface="+mn-ea"/>
-              </a:rPr>
-              <a:t>や</a:t>
-            </a:r>
-            <a:r>
-              <a:rPr lang="en-US" altLang="ja-JP" dirty="0">
-                <a:latin typeface="+mn-ea"/>
-              </a:rPr>
-              <a:t>USB</a:t>
-            </a:r>
-            <a:r>
-              <a:rPr lang="ja-JP" altLang="en-US" dirty="0">
-                <a:latin typeface="+mn-ea"/>
-              </a:rPr>
-              <a:t>メモリ持ち込み）</a:t>
-            </a:r>
-            <a:endParaRPr lang="en-US" altLang="ja-JP" dirty="0">
-              <a:latin typeface="+mn-ea"/>
-            </a:endParaRPr>
-          </a:p>
-          <a:p>
-            <a:pPr lvl="1"/>
-            <a:r>
-              <a:rPr lang="en-US" altLang="ja-JP" dirty="0">
-                <a:latin typeface="+mn-ea"/>
-              </a:rPr>
-              <a:t>BYOS</a:t>
-            </a:r>
-            <a:r>
-              <a:rPr lang="ja-JP" altLang="en-US" dirty="0">
-                <a:latin typeface="+mn-ea"/>
-              </a:rPr>
-              <a:t>（</a:t>
-            </a:r>
-            <a:r>
-              <a:rPr lang="en-US" altLang="ja-JP" dirty="0">
-                <a:latin typeface="+mn-ea"/>
-              </a:rPr>
-              <a:t>Dropbox</a:t>
-            </a:r>
-            <a:r>
-              <a:rPr lang="ja-JP" altLang="en-US" dirty="0">
-                <a:latin typeface="+mn-ea"/>
-              </a:rPr>
-              <a:t>などへの接続）</a:t>
-            </a:r>
-            <a:endParaRPr lang="en-US" altLang="ja-JP" dirty="0">
-              <a:latin typeface="+mn-ea"/>
-            </a:endParaRPr>
-          </a:p>
-          <a:p>
-            <a:pPr lvl="1"/>
-            <a:r>
-              <a:rPr lang="ja-JP" altLang="en-US" dirty="0">
-                <a:latin typeface="+mn-ea"/>
-              </a:rPr>
-              <a:t>メールによる標的型攻撃</a:t>
-            </a:r>
-            <a:endParaRPr lang="en-US" altLang="ja-JP" dirty="0">
-              <a:latin typeface="+mn-ea"/>
-            </a:endParaRPr>
-          </a:p>
-        </p:txBody>
-      </p:sp>
       <p:pic>
         <p:nvPicPr>
-          <p:cNvPr id="10" name="図 9"/>
+          <p:cNvPr id="5" name="図 4"/>
           <p:cNvPicPr>
             <a:picLocks noChangeAspect="1"/>
           </p:cNvPicPr>
@@ -4841,8 +5541,8 @@
         </p:blipFill>
         <p:spPr>
           <a:xfrm>
-            <a:off x="4572000" y="4979386"/>
-            <a:ext cx="4515086" cy="1742090"/>
+            <a:off x="3816096" y="4205459"/>
+            <a:ext cx="5327904" cy="2652542"/>
           </a:xfrm>
           <a:prstGeom prst="rect">
             <a:avLst/>
@@ -4852,7 +5552,7 @@
     </p:spTree>
     <p:extLst>
       <p:ext uri="{BB962C8B-B14F-4D97-AF65-F5344CB8AC3E}">
-        <p14:creationId xmlns:p14="http://schemas.microsoft.com/office/powerpoint/2010/main" val="2468963995"/>
+        <p14:creationId xmlns:p14="http://schemas.microsoft.com/office/powerpoint/2010/main" val="3700836148"/>
       </p:ext>
     </p:extLst>
   </p:cSld>
@@ -4895,22 +5595,8 @@
           <a:lstStyle/>
           <a:p>
             <a:r>
-              <a:rPr kumimoji="1" lang="ja-JP" altLang="en-US" dirty="0">
-                <a:latin typeface="+mj-ea"/>
-              </a:rPr>
-              <a:t>目的</a:t>
-            </a:r>
-            <a:r>
-              <a:rPr lang="ja-JP" altLang="en-US" dirty="0">
-                <a:latin typeface="+mj-ea"/>
-              </a:rPr>
-              <a:t>：</a:t>
-            </a:r>
-            <a:r>
-              <a:rPr kumimoji="1" lang="ja-JP" altLang="en-US" dirty="0">
-                <a:latin typeface="+mj-ea"/>
-              </a:rPr>
-              <a:t>内部ネットワークの監視</a:t>
+              <a:rPr kumimoji="1" lang="ja-JP" altLang="en-US" dirty="0"/>
+              <a:t>研究目的</a:t>
             </a:r>
           </a:p>
         </p:txBody>
@@ -4931,121 +5617,13 @@
           <a:lstStyle/>
           <a:p>
             <a:r>
-              <a:rPr lang="ja-JP" altLang="en-US" dirty="0">
-                <a:latin typeface="+mj-ea"/>
-                <a:ea typeface="+mj-ea"/>
-              </a:rPr>
-              <a:t>組織間および組織内部から外部への通信に着目</a:t>
-            </a:r>
-            <a:endParaRPr lang="en-US" altLang="ja-JP" dirty="0">
-              <a:latin typeface="+mj-ea"/>
-              <a:ea typeface="+mj-ea"/>
-            </a:endParaRPr>
-          </a:p>
-          <a:p>
-            <a:r>
-              <a:rPr lang="ja-JP" altLang="en-US" dirty="0">
-                <a:latin typeface="+mj-ea"/>
-                <a:ea typeface="+mj-ea"/>
-              </a:rPr>
-              <a:t>怪しい通信のみ</a:t>
-            </a:r>
-            <a:r>
-              <a:rPr lang="en-US" altLang="ja-JP" dirty="0">
-                <a:latin typeface="+mj-ea"/>
-                <a:ea typeface="+mj-ea"/>
-              </a:rPr>
-              <a:t>DPI</a:t>
-            </a:r>
-            <a:r>
-              <a:rPr lang="ja-JP" altLang="en-US" dirty="0">
-                <a:latin typeface="+mj-ea"/>
-                <a:ea typeface="+mj-ea"/>
-              </a:rPr>
-              <a:t>装置で検査</a:t>
-            </a:r>
-            <a:endParaRPr lang="en-US" altLang="ja-JP" dirty="0">
-              <a:latin typeface="+mj-ea"/>
-              <a:ea typeface="+mj-ea"/>
-            </a:endParaRPr>
-          </a:p>
-          <a:p>
-            <a:pPr lvl="1"/>
-            <a:r>
-              <a:rPr lang="en-US" altLang="ja-JP" dirty="0">
-                <a:latin typeface="+mj-ea"/>
-              </a:rPr>
-              <a:t>DPI</a:t>
-            </a:r>
-            <a:r>
-              <a:rPr lang="ja-JP" altLang="en-US" dirty="0">
-                <a:latin typeface="+mj-ea"/>
-              </a:rPr>
-              <a:t>装置：</a:t>
-            </a:r>
-            <a:r>
-              <a:rPr lang="en-US" altLang="ja-JP" dirty="0">
-                <a:latin typeface="+mj-ea"/>
-              </a:rPr>
-              <a:t>Deep</a:t>
-            </a:r>
-            <a:r>
-              <a:rPr lang="ja-JP" altLang="en-US" dirty="0">
-                <a:latin typeface="+mj-ea"/>
-              </a:rPr>
-              <a:t> </a:t>
-            </a:r>
-            <a:r>
-              <a:rPr lang="en-US" altLang="ja-JP" dirty="0">
-                <a:latin typeface="+mj-ea"/>
-              </a:rPr>
-              <a:t>Packet</a:t>
-            </a:r>
-            <a:r>
-              <a:rPr lang="ja-JP" altLang="en-US" dirty="0">
-                <a:latin typeface="+mj-ea"/>
-              </a:rPr>
-              <a:t> </a:t>
-            </a:r>
-            <a:r>
-              <a:rPr lang="en-US" altLang="ja-JP" dirty="0">
-                <a:latin typeface="+mj-ea"/>
-              </a:rPr>
-              <a:t>Inspection</a:t>
-            </a:r>
-            <a:r>
-              <a:rPr lang="ja-JP" altLang="en-US" dirty="0">
-                <a:latin typeface="+mj-ea"/>
-              </a:rPr>
-              <a:t>装置</a:t>
-            </a:r>
-            <a:endParaRPr lang="en-US" altLang="ja-JP" dirty="0">
-              <a:latin typeface="+mj-ea"/>
-            </a:endParaRPr>
-          </a:p>
-          <a:p>
-            <a:pPr lvl="2"/>
-            <a:r>
-              <a:rPr lang="ja-JP" altLang="en-US" dirty="0">
-                <a:latin typeface="+mj-ea"/>
-              </a:rPr>
-              <a:t>パケットの内容を解析し、望ましくない通信を感知することが可能</a:t>
-            </a:r>
-            <a:endParaRPr lang="en-US" altLang="ja-JP" dirty="0">
-              <a:latin typeface="+mj-ea"/>
-            </a:endParaRPr>
-          </a:p>
-          <a:p>
-            <a:pPr lvl="2"/>
-            <a:r>
-              <a:rPr lang="ja-JP" altLang="en-US" dirty="0">
-                <a:latin typeface="+mj-ea"/>
-              </a:rPr>
-              <a:t>すべてのパケットの内容を分析することは不可能</a:t>
-            </a:r>
-            <a:endParaRPr lang="en-US" altLang="ja-JP" dirty="0">
-              <a:latin typeface="+mj-ea"/>
-            </a:endParaRPr>
+              <a:rPr kumimoji="1" lang="en-US" altLang="ja-JP" dirty="0" err="1"/>
+              <a:t>OpenFlow</a:t>
+            </a:r>
+            <a:r>
+              <a:rPr kumimoji="1" lang="ja-JP" altLang="en-US" dirty="0"/>
+              <a:t>を用いて</a:t>
+            </a:r>
           </a:p>
         </p:txBody>
       </p:sp>
@@ -5075,7 +5653,7 @@
     </p:spTree>
     <p:extLst>
       <p:ext uri="{BB962C8B-B14F-4D97-AF65-F5344CB8AC3E}">
-        <p14:creationId xmlns:p14="http://schemas.microsoft.com/office/powerpoint/2010/main" val="2859279191"/>
+        <p14:creationId xmlns:p14="http://schemas.microsoft.com/office/powerpoint/2010/main" val="135556126"/>
       </p:ext>
     </p:extLst>
   </p:cSld>
@@ -5118,6 +5696,419 @@
           <a:lstStyle/>
           <a:p>
             <a:r>
+              <a:rPr lang="ja-JP" altLang="en-US" dirty="0"/>
+              <a:t>研究目的</a:t>
+            </a:r>
+            <a:endParaRPr kumimoji="1" lang="ja-JP" altLang="en-US" dirty="0"/>
+          </a:p>
+        </p:txBody>
+      </p:sp>
+      <p:sp>
+        <p:nvSpPr>
+          <p:cNvPr id="3" name="コンテンツ プレースホルダー 2"/>
+          <p:cNvSpPr>
+            <a:spLocks noGrp="1"/>
+          </p:cNvSpPr>
+          <p:nvPr>
+            <p:ph idx="1"/>
+          </p:nvPr>
+        </p:nvSpPr>
+        <p:spPr/>
+        <p:txBody>
+          <a:bodyPr/>
+          <a:lstStyle/>
+          <a:p>
+            <a:endParaRPr kumimoji="1" lang="ja-JP" altLang="en-US"/>
+          </a:p>
+        </p:txBody>
+      </p:sp>
+      <p:sp>
+        <p:nvSpPr>
+          <p:cNvPr id="4" name="スライド番号プレースホルダー 3"/>
+          <p:cNvSpPr>
+            <a:spLocks noGrp="1"/>
+          </p:cNvSpPr>
+          <p:nvPr>
+            <p:ph type="sldNum" sz="quarter" idx="12"/>
+          </p:nvPr>
+        </p:nvSpPr>
+        <p:spPr/>
+        <p:txBody>
+          <a:bodyPr/>
+          <a:lstStyle/>
+          <a:p>
+            <a:fld id="{EB6A3DD5-99EC-4EDD-8C09-808CCDC94454}" type="slidenum">
+              <a:rPr kumimoji="1" lang="ja-JP" altLang="en-US" smtClean="0"/>
+              <a:t>6</a:t>
+            </a:fld>
+            <a:endParaRPr kumimoji="1" lang="ja-JP" altLang="en-US"/>
+          </a:p>
+        </p:txBody>
+      </p:sp>
+    </p:spTree>
+    <p:extLst>
+      <p:ext uri="{BB962C8B-B14F-4D97-AF65-F5344CB8AC3E}">
+        <p14:creationId xmlns:p14="http://schemas.microsoft.com/office/powerpoint/2010/main" val="3417253225"/>
+      </p:ext>
+    </p:extLst>
+  </p:cSld>
+  <p:clrMapOvr>
+    <a:masterClrMapping/>
+  </p:clrMapOvr>
+</p:sld>
+</file>
+
+<file path=ppt/slides/slide7.xml><?xml version="1.0" encoding="utf-8"?>
+<p:sld xmlns:a="http://schemas.openxmlformats.org/drawingml/2006/main" xmlns:r="http://schemas.openxmlformats.org/officeDocument/2006/relationships" xmlns:p="http://schemas.openxmlformats.org/presentationml/2006/main">
+  <p:cSld>
+    <p:spTree>
+      <p:nvGrpSpPr>
+        <p:cNvPr id="1" name=""/>
+        <p:cNvGrpSpPr/>
+        <p:nvPr/>
+      </p:nvGrpSpPr>
+      <p:grpSpPr>
+        <a:xfrm>
+          <a:off x="0" y="0"/>
+          <a:ext cx="0" cy="0"/>
+          <a:chOff x="0" y="0"/>
+          <a:chExt cx="0" cy="0"/>
+        </a:xfrm>
+      </p:grpSpPr>
+      <p:sp>
+        <p:nvSpPr>
+          <p:cNvPr id="2" name="タイトル 1"/>
+          <p:cNvSpPr>
+            <a:spLocks noGrp="1"/>
+          </p:cNvSpPr>
+          <p:nvPr>
+            <p:ph type="title"/>
+          </p:nvPr>
+        </p:nvSpPr>
+        <p:spPr/>
+        <p:txBody>
+          <a:bodyPr/>
+          <a:lstStyle/>
+          <a:p>
+            <a:r>
+              <a:rPr lang="ja-JP" altLang="en-US" dirty="0"/>
+              <a:t>以下、中間発表分</a:t>
+            </a:r>
+            <a:endParaRPr kumimoji="1" lang="ja-JP" altLang="en-US" dirty="0"/>
+          </a:p>
+        </p:txBody>
+      </p:sp>
+      <p:sp>
+        <p:nvSpPr>
+          <p:cNvPr id="3" name="コンテンツ プレースホルダー 2"/>
+          <p:cNvSpPr>
+            <a:spLocks noGrp="1"/>
+          </p:cNvSpPr>
+          <p:nvPr>
+            <p:ph idx="1"/>
+          </p:nvPr>
+        </p:nvSpPr>
+        <p:spPr/>
+        <p:txBody>
+          <a:bodyPr/>
+          <a:lstStyle/>
+          <a:p>
+            <a:endParaRPr kumimoji="1" lang="ja-JP" altLang="en-US" dirty="0"/>
+          </a:p>
+        </p:txBody>
+      </p:sp>
+      <p:sp>
+        <p:nvSpPr>
+          <p:cNvPr id="4" name="スライド番号プレースホルダー 3"/>
+          <p:cNvSpPr>
+            <a:spLocks noGrp="1"/>
+          </p:cNvSpPr>
+          <p:nvPr>
+            <p:ph type="sldNum" sz="quarter" idx="12"/>
+          </p:nvPr>
+        </p:nvSpPr>
+        <p:spPr/>
+        <p:txBody>
+          <a:bodyPr/>
+          <a:lstStyle/>
+          <a:p>
+            <a:fld id="{EB6A3DD5-99EC-4EDD-8C09-808CCDC94454}" type="slidenum">
+              <a:rPr kumimoji="1" lang="ja-JP" altLang="en-US" smtClean="0"/>
+              <a:t>7</a:t>
+            </a:fld>
+            <a:endParaRPr kumimoji="1" lang="ja-JP" altLang="en-US"/>
+          </a:p>
+        </p:txBody>
+      </p:sp>
+    </p:spTree>
+    <p:extLst>
+      <p:ext uri="{BB962C8B-B14F-4D97-AF65-F5344CB8AC3E}">
+        <p14:creationId xmlns:p14="http://schemas.microsoft.com/office/powerpoint/2010/main" val="204555731"/>
+      </p:ext>
+    </p:extLst>
+  </p:cSld>
+  <p:clrMapOvr>
+    <a:masterClrMapping/>
+  </p:clrMapOvr>
+</p:sld>
+</file>
+
+<file path=ppt/slides/slide8.xml><?xml version="1.0" encoding="utf-8"?>
+<p:sld xmlns:a="http://schemas.openxmlformats.org/drawingml/2006/main" xmlns:r="http://schemas.openxmlformats.org/officeDocument/2006/relationships" xmlns:p="http://schemas.openxmlformats.org/presentationml/2006/main">
+  <p:cSld>
+    <p:spTree>
+      <p:nvGrpSpPr>
+        <p:cNvPr id="1" name=""/>
+        <p:cNvGrpSpPr/>
+        <p:nvPr/>
+      </p:nvGrpSpPr>
+      <p:grpSpPr>
+        <a:xfrm>
+          <a:off x="0" y="0"/>
+          <a:ext cx="0" cy="0"/>
+          <a:chOff x="0" y="0"/>
+          <a:chExt cx="0" cy="0"/>
+        </a:xfrm>
+      </p:grpSpPr>
+      <p:sp>
+        <p:nvSpPr>
+          <p:cNvPr id="2" name="タイトル 1"/>
+          <p:cNvSpPr>
+            <a:spLocks noGrp="1"/>
+          </p:cNvSpPr>
+          <p:nvPr>
+            <p:ph type="title"/>
+          </p:nvPr>
+        </p:nvSpPr>
+        <p:spPr/>
+        <p:txBody>
+          <a:bodyPr/>
+          <a:lstStyle/>
+          <a:p>
+            <a:r>
+              <a:rPr kumimoji="1" lang="ja-JP" altLang="en-US" dirty="0">
+                <a:latin typeface="+mj-ea"/>
+              </a:rPr>
+              <a:t>目的</a:t>
+            </a:r>
+            <a:r>
+              <a:rPr lang="ja-JP" altLang="en-US" dirty="0">
+                <a:latin typeface="+mj-ea"/>
+              </a:rPr>
+              <a:t>：</a:t>
+            </a:r>
+            <a:r>
+              <a:rPr kumimoji="1" lang="ja-JP" altLang="en-US" dirty="0">
+                <a:latin typeface="+mj-ea"/>
+              </a:rPr>
+              <a:t>内部ネットワークの監視</a:t>
+            </a:r>
+          </a:p>
+        </p:txBody>
+      </p:sp>
+      <p:sp>
+        <p:nvSpPr>
+          <p:cNvPr id="3" name="コンテンツ プレースホルダー 2"/>
+          <p:cNvSpPr>
+            <a:spLocks noGrp="1"/>
+          </p:cNvSpPr>
+          <p:nvPr>
+            <p:ph idx="1"/>
+          </p:nvPr>
+        </p:nvSpPr>
+        <p:spPr/>
+        <p:txBody>
+          <a:bodyPr/>
+          <a:lstStyle/>
+          <a:p>
+            <a:r>
+              <a:rPr lang="ja-JP" altLang="en-US" dirty="0">
+                <a:latin typeface="+mj-ea"/>
+                <a:ea typeface="+mj-ea"/>
+              </a:rPr>
+              <a:t>組織間および組織内部から外部への通信に着目</a:t>
+            </a:r>
+            <a:endParaRPr lang="en-US" altLang="ja-JP" dirty="0">
+              <a:latin typeface="+mj-ea"/>
+              <a:ea typeface="+mj-ea"/>
+            </a:endParaRPr>
+          </a:p>
+          <a:p>
+            <a:r>
+              <a:rPr lang="ja-JP" altLang="en-US" dirty="0">
+                <a:latin typeface="+mj-ea"/>
+                <a:ea typeface="+mj-ea"/>
+              </a:rPr>
+              <a:t>怪しい通信のみ</a:t>
+            </a:r>
+            <a:r>
+              <a:rPr lang="en-US" altLang="ja-JP" dirty="0">
+                <a:latin typeface="+mj-ea"/>
+                <a:ea typeface="+mj-ea"/>
+              </a:rPr>
+              <a:t>DPI</a:t>
+            </a:r>
+            <a:r>
+              <a:rPr lang="ja-JP" altLang="en-US" dirty="0">
+                <a:latin typeface="+mj-ea"/>
+                <a:ea typeface="+mj-ea"/>
+              </a:rPr>
+              <a:t>装置で検査</a:t>
+            </a:r>
+            <a:endParaRPr lang="en-US" altLang="ja-JP" dirty="0">
+              <a:latin typeface="+mj-ea"/>
+              <a:ea typeface="+mj-ea"/>
+            </a:endParaRPr>
+          </a:p>
+          <a:p>
+            <a:pPr lvl="1"/>
+            <a:r>
+              <a:rPr lang="en-US" altLang="ja-JP" dirty="0">
+                <a:latin typeface="+mj-ea"/>
+              </a:rPr>
+              <a:t>DPI</a:t>
+            </a:r>
+            <a:r>
+              <a:rPr lang="ja-JP" altLang="en-US" dirty="0">
+                <a:latin typeface="+mj-ea"/>
+              </a:rPr>
+              <a:t>装置：</a:t>
+            </a:r>
+            <a:r>
+              <a:rPr lang="en-US" altLang="ja-JP" dirty="0">
+                <a:latin typeface="+mj-ea"/>
+              </a:rPr>
+              <a:t>Deep</a:t>
+            </a:r>
+            <a:r>
+              <a:rPr lang="ja-JP" altLang="en-US" dirty="0">
+                <a:latin typeface="+mj-ea"/>
+              </a:rPr>
+              <a:t> </a:t>
+            </a:r>
+            <a:r>
+              <a:rPr lang="en-US" altLang="ja-JP" dirty="0">
+                <a:latin typeface="+mj-ea"/>
+              </a:rPr>
+              <a:t>Packet</a:t>
+            </a:r>
+            <a:r>
+              <a:rPr lang="ja-JP" altLang="en-US" dirty="0">
+                <a:latin typeface="+mj-ea"/>
+              </a:rPr>
+              <a:t> </a:t>
+            </a:r>
+            <a:r>
+              <a:rPr lang="en-US" altLang="ja-JP" dirty="0">
+                <a:latin typeface="+mj-ea"/>
+              </a:rPr>
+              <a:t>Inspection</a:t>
+            </a:r>
+            <a:r>
+              <a:rPr lang="ja-JP" altLang="en-US" dirty="0">
+                <a:latin typeface="+mj-ea"/>
+              </a:rPr>
+              <a:t>装置</a:t>
+            </a:r>
+            <a:endParaRPr lang="en-US" altLang="ja-JP" dirty="0">
+              <a:latin typeface="+mj-ea"/>
+            </a:endParaRPr>
+          </a:p>
+          <a:p>
+            <a:pPr lvl="2"/>
+            <a:r>
+              <a:rPr lang="ja-JP" altLang="en-US" dirty="0">
+                <a:latin typeface="+mj-ea"/>
+              </a:rPr>
+              <a:t>パケットの内容を解析し、望ましくない通信を感知することが可能</a:t>
+            </a:r>
+            <a:endParaRPr lang="en-US" altLang="ja-JP" dirty="0">
+              <a:latin typeface="+mj-ea"/>
+            </a:endParaRPr>
+          </a:p>
+          <a:p>
+            <a:pPr lvl="2"/>
+            <a:r>
+              <a:rPr lang="ja-JP" altLang="en-US" dirty="0">
+                <a:latin typeface="+mj-ea"/>
+              </a:rPr>
+              <a:t>すべてのパケットの内容を分析することは不可能</a:t>
+            </a:r>
+            <a:endParaRPr lang="en-US" altLang="ja-JP" dirty="0">
+              <a:latin typeface="+mj-ea"/>
+            </a:endParaRPr>
+          </a:p>
+        </p:txBody>
+      </p:sp>
+      <p:sp>
+        <p:nvSpPr>
+          <p:cNvPr id="4" name="スライド番号プレースホルダー 3"/>
+          <p:cNvSpPr>
+            <a:spLocks noGrp="1"/>
+          </p:cNvSpPr>
+          <p:nvPr>
+            <p:ph type="sldNum" sz="quarter" idx="12"/>
+          </p:nvPr>
+        </p:nvSpPr>
+        <p:spPr/>
+        <p:txBody>
+          <a:bodyPr/>
+          <a:lstStyle/>
+          <a:p>
+            <a:fld id="{EB6A3DD5-99EC-4EDD-8C09-808CCDC94454}" type="slidenum">
+              <a:rPr kumimoji="1" lang="ja-JP" altLang="en-US" smtClean="0"/>
+              <a:t>8</a:t>
+            </a:fld>
+            <a:endParaRPr kumimoji="1" lang="ja-JP" altLang="en-US"/>
+          </a:p>
+        </p:txBody>
+      </p:sp>
+    </p:spTree>
+    <p:extLst>
+      <p:ext uri="{BB962C8B-B14F-4D97-AF65-F5344CB8AC3E}">
+        <p14:creationId xmlns:p14="http://schemas.microsoft.com/office/powerpoint/2010/main" val="2859279191"/>
+      </p:ext>
+    </p:extLst>
+  </p:cSld>
+  <p:clrMapOvr>
+    <a:masterClrMapping/>
+  </p:clrMapOvr>
+</p:sld>
+</file>
+
+<file path=ppt/slides/slide9.xml><?xml version="1.0" encoding="utf-8"?>
+<p:sld xmlns:a="http://schemas.openxmlformats.org/drawingml/2006/main" xmlns:r="http://schemas.openxmlformats.org/officeDocument/2006/relationships" xmlns:p="http://schemas.openxmlformats.org/presentationml/2006/main">
+  <p:cSld>
+    <p:spTree>
+      <p:nvGrpSpPr>
+        <p:cNvPr id="1" name=""/>
+        <p:cNvGrpSpPr/>
+        <p:nvPr/>
+      </p:nvGrpSpPr>
+      <p:grpSpPr>
+        <a:xfrm>
+          <a:off x="0" y="0"/>
+          <a:ext cx="0" cy="0"/>
+          <a:chOff x="0" y="0"/>
+          <a:chExt cx="0" cy="0"/>
+        </a:xfrm>
+      </p:grpSpPr>
+      <p:sp>
+        <p:nvSpPr>
+          <p:cNvPr id="2" name="タイトル 1"/>
+          <p:cNvSpPr>
+            <a:spLocks noGrp="1"/>
+          </p:cNvSpPr>
+          <p:nvPr>
+            <p:ph type="title"/>
+          </p:nvPr>
+        </p:nvSpPr>
+        <p:spPr/>
+        <p:txBody>
+          <a:bodyPr/>
+          <a:lstStyle/>
+          <a:p>
+            <a:r>
               <a:rPr kumimoji="1" lang="ja-JP" altLang="en-US" dirty="0">
                 <a:latin typeface="+mj-ea"/>
               </a:rPr>
@@ -5399,7 +6390,7 @@
           <a:p>
             <a:fld id="{EB6A3DD5-99EC-4EDD-8C09-808CCDC94454}" type="slidenum">
               <a:rPr kumimoji="1" lang="ja-JP" altLang="en-US" smtClean="0"/>
-              <a:t>6</a:t>
+              <a:t>9</a:t>
             </a:fld>
             <a:endParaRPr kumimoji="1" lang="ja-JP" altLang="en-US"/>
           </a:p>
@@ -5520,612 +6511,6 @@
       </p:par>
     </p:tnLst>
   </p:timing>
-</p:sld>
-</file>
-
-<file path=ppt/slides/slide7.xml><?xml version="1.0" encoding="utf-8"?>
-<p:sld xmlns:a="http://schemas.openxmlformats.org/drawingml/2006/main" xmlns:r="http://schemas.openxmlformats.org/officeDocument/2006/relationships" xmlns:p="http://schemas.openxmlformats.org/presentationml/2006/main">
-  <p:cSld>
-    <p:spTree>
-      <p:nvGrpSpPr>
-        <p:cNvPr id="1" name=""/>
-        <p:cNvGrpSpPr/>
-        <p:nvPr/>
-      </p:nvGrpSpPr>
-      <p:grpSpPr>
-        <a:xfrm>
-          <a:off x="0" y="0"/>
-          <a:ext cx="0" cy="0"/>
-          <a:chOff x="0" y="0"/>
-          <a:chExt cx="0" cy="0"/>
-        </a:xfrm>
-      </p:grpSpPr>
-      <p:sp>
-        <p:nvSpPr>
-          <p:cNvPr id="2" name="タイトル 1"/>
-          <p:cNvSpPr>
-            <a:spLocks noGrp="1"/>
-          </p:cNvSpPr>
-          <p:nvPr>
-            <p:ph type="title"/>
-          </p:nvPr>
-        </p:nvSpPr>
-        <p:spPr/>
-        <p:txBody>
-          <a:bodyPr/>
-          <a:lstStyle/>
-          <a:p>
-            <a:r>
-              <a:rPr lang="ja-JP" altLang="en-US" dirty="0">
-                <a:latin typeface="+mj-ea"/>
-              </a:rPr>
-              <a:t>手法：怪しい通信の監視</a:t>
-            </a:r>
-            <a:endParaRPr kumimoji="1" lang="ja-JP" altLang="en-US" dirty="0">
-              <a:latin typeface="+mj-ea"/>
-            </a:endParaRPr>
-          </a:p>
-        </p:txBody>
-      </p:sp>
-      <p:sp>
-        <p:nvSpPr>
-          <p:cNvPr id="3" name="コンテンツ プレースホルダー 2"/>
-          <p:cNvSpPr>
-            <a:spLocks noGrp="1"/>
-          </p:cNvSpPr>
-          <p:nvPr>
-            <p:ph idx="1"/>
-          </p:nvPr>
-        </p:nvSpPr>
-        <p:spPr/>
-        <p:txBody>
-          <a:bodyPr/>
-          <a:lstStyle/>
-          <a:p>
-            <a:r>
-              <a:rPr lang="en-US" altLang="ja-JP" dirty="0">
-                <a:latin typeface="+mn-ea"/>
-              </a:rPr>
-              <a:t>SDN</a:t>
-            </a:r>
-            <a:r>
-              <a:rPr lang="ja-JP" altLang="en-US" dirty="0">
-                <a:latin typeface="+mn-ea"/>
-              </a:rPr>
-              <a:t>コントローラ</a:t>
-            </a:r>
-            <a:endParaRPr lang="en-US" altLang="ja-JP" dirty="0">
-              <a:latin typeface="+mn-ea"/>
-            </a:endParaRPr>
-          </a:p>
-          <a:p>
-            <a:pPr lvl="1"/>
-            <a:r>
-              <a:rPr lang="ja-JP" altLang="en-US" dirty="0">
-                <a:latin typeface="+mn-ea"/>
-              </a:rPr>
-              <a:t>怪しい通信を</a:t>
-            </a:r>
-            <a:r>
-              <a:rPr lang="en-US" altLang="ja-JP" dirty="0">
-                <a:latin typeface="+mn-ea"/>
-              </a:rPr>
-              <a:t>DPI</a:t>
-            </a:r>
-            <a:r>
-              <a:rPr lang="ja-JP" altLang="en-US" dirty="0">
-                <a:latin typeface="+mn-ea"/>
-              </a:rPr>
-              <a:t>装置のある</a:t>
-            </a:r>
-            <a:r>
-              <a:rPr lang="en-US" altLang="ja-JP" dirty="0">
-                <a:latin typeface="+mn-ea"/>
-              </a:rPr>
-              <a:t>VLAN</a:t>
-            </a:r>
-            <a:r>
-              <a:rPr lang="ja-JP" altLang="en-US" dirty="0">
-                <a:latin typeface="+mn-ea"/>
-              </a:rPr>
-              <a:t>へ経路誘導</a:t>
-            </a:r>
-            <a:endParaRPr lang="en-US" altLang="ja-JP" dirty="0">
-              <a:latin typeface="+mn-ea"/>
-            </a:endParaRPr>
-          </a:p>
-          <a:p>
-            <a:pPr lvl="1"/>
-            <a:r>
-              <a:rPr lang="en-US" altLang="ja-JP" dirty="0">
-                <a:latin typeface="+mn-ea"/>
-              </a:rPr>
-              <a:t>DPI</a:t>
-            </a:r>
-            <a:r>
-              <a:rPr lang="ja-JP" altLang="en-US" dirty="0">
-                <a:latin typeface="+mn-ea"/>
-              </a:rPr>
-              <a:t>装置による判定結果を</a:t>
-            </a:r>
-            <a:r>
-              <a:rPr lang="en-US" altLang="ja-JP" dirty="0">
-                <a:latin typeface="+mn-ea"/>
-              </a:rPr>
-              <a:t>expiration time</a:t>
-            </a:r>
-            <a:r>
-              <a:rPr lang="ja-JP" altLang="en-US" dirty="0">
-                <a:latin typeface="+mn-ea"/>
-              </a:rPr>
-              <a:t>の調整に</a:t>
-            </a:r>
-            <a:br>
-              <a:rPr lang="en-US" altLang="ja-JP" dirty="0">
-                <a:latin typeface="+mn-ea"/>
-              </a:rPr>
-            </a:br>
-            <a:r>
-              <a:rPr lang="ja-JP" altLang="en-US" dirty="0">
-                <a:latin typeface="+mn-ea"/>
-              </a:rPr>
-              <a:t>反映</a:t>
-            </a:r>
-            <a:endParaRPr kumimoji="1" lang="ja-JP" altLang="en-US" dirty="0"/>
-          </a:p>
-        </p:txBody>
-      </p:sp>
-      <p:sp>
-        <p:nvSpPr>
-          <p:cNvPr id="4" name="スライド番号プレースホルダー 3"/>
-          <p:cNvSpPr>
-            <a:spLocks noGrp="1"/>
-          </p:cNvSpPr>
-          <p:nvPr>
-            <p:ph type="sldNum" sz="quarter" idx="12"/>
-          </p:nvPr>
-        </p:nvSpPr>
-        <p:spPr/>
-        <p:txBody>
-          <a:bodyPr/>
-          <a:lstStyle/>
-          <a:p>
-            <a:fld id="{EB6A3DD5-99EC-4EDD-8C09-808CCDC94454}" type="slidenum">
-              <a:rPr kumimoji="1" lang="ja-JP" altLang="en-US" smtClean="0"/>
-              <a:t>7</a:t>
-            </a:fld>
-            <a:endParaRPr kumimoji="1" lang="ja-JP" altLang="en-US"/>
-          </a:p>
-        </p:txBody>
-      </p:sp>
-    </p:spTree>
-    <p:extLst>
-      <p:ext uri="{BB962C8B-B14F-4D97-AF65-F5344CB8AC3E}">
-        <p14:creationId xmlns:p14="http://schemas.microsoft.com/office/powerpoint/2010/main" val="2761327078"/>
-      </p:ext>
-    </p:extLst>
-  </p:cSld>
-  <p:clrMapOvr>
-    <a:masterClrMapping/>
-  </p:clrMapOvr>
-</p:sld>
-</file>
-
-<file path=ppt/slides/slide8.xml><?xml version="1.0" encoding="utf-8"?>
-<p:sld xmlns:a="http://schemas.openxmlformats.org/drawingml/2006/main" xmlns:r="http://schemas.openxmlformats.org/officeDocument/2006/relationships" xmlns:p="http://schemas.openxmlformats.org/presentationml/2006/main">
-  <p:cSld>
-    <p:spTree>
-      <p:nvGrpSpPr>
-        <p:cNvPr id="1" name=""/>
-        <p:cNvGrpSpPr/>
-        <p:nvPr/>
-      </p:nvGrpSpPr>
-      <p:grpSpPr>
-        <a:xfrm>
-          <a:off x="0" y="0"/>
-          <a:ext cx="0" cy="0"/>
-          <a:chOff x="0" y="0"/>
-          <a:chExt cx="0" cy="0"/>
-        </a:xfrm>
-      </p:grpSpPr>
-      <p:sp>
-        <p:nvSpPr>
-          <p:cNvPr id="3" name="コンテンツ プレースホルダー 2"/>
-          <p:cNvSpPr>
-            <a:spLocks noGrp="1"/>
-          </p:cNvSpPr>
-          <p:nvPr>
-            <p:ph idx="1"/>
-          </p:nvPr>
-        </p:nvSpPr>
-        <p:spPr/>
-        <p:txBody>
-          <a:bodyPr/>
-          <a:lstStyle/>
-          <a:p>
-            <a:r>
-              <a:rPr kumimoji="1" lang="en-US" altLang="ja-JP" dirty="0">
-                <a:latin typeface="+mj-ea"/>
-                <a:ea typeface="+mj-ea"/>
-              </a:rPr>
-              <a:t>SDN</a:t>
-            </a:r>
-            <a:r>
-              <a:rPr kumimoji="1" lang="ja-JP" altLang="en-US" dirty="0">
-                <a:latin typeface="+mj-ea"/>
-                <a:ea typeface="+mj-ea"/>
-              </a:rPr>
-              <a:t>の規格である</a:t>
-            </a:r>
-            <a:r>
-              <a:rPr kumimoji="1" lang="en-US" altLang="ja-JP" dirty="0" err="1">
-                <a:latin typeface="+mj-ea"/>
-                <a:ea typeface="+mj-ea"/>
-              </a:rPr>
-              <a:t>OpenFlow</a:t>
-            </a:r>
-            <a:r>
-              <a:rPr kumimoji="1" lang="ja-JP" altLang="en-US" dirty="0">
-                <a:latin typeface="+mj-ea"/>
-                <a:ea typeface="+mj-ea"/>
-              </a:rPr>
-              <a:t>と</a:t>
-            </a:r>
-            <a:r>
-              <a:rPr kumimoji="1" lang="en-US" altLang="ja-JP" dirty="0">
-                <a:latin typeface="+mj-ea"/>
-                <a:ea typeface="+mj-ea"/>
-              </a:rPr>
-              <a:t>VLAN</a:t>
-            </a:r>
-            <a:r>
-              <a:rPr kumimoji="1" lang="ja-JP" altLang="en-US" dirty="0">
-                <a:latin typeface="+mj-ea"/>
-                <a:ea typeface="+mj-ea"/>
-              </a:rPr>
-              <a:t>を組み</a:t>
-            </a:r>
-            <a:br>
-              <a:rPr kumimoji="1" lang="en-US" altLang="ja-JP" dirty="0">
-                <a:latin typeface="+mj-ea"/>
-                <a:ea typeface="+mj-ea"/>
-              </a:rPr>
-            </a:br>
-            <a:r>
-              <a:rPr kumimoji="1" lang="ja-JP" altLang="en-US" dirty="0">
-                <a:latin typeface="+mj-ea"/>
-                <a:ea typeface="+mj-ea"/>
-              </a:rPr>
-              <a:t>合わせたプログラム</a:t>
-            </a:r>
-            <a:endParaRPr kumimoji="1" lang="en-US" altLang="ja-JP" dirty="0">
-              <a:latin typeface="+mj-ea"/>
-              <a:ea typeface="+mj-ea"/>
-            </a:endParaRPr>
-          </a:p>
-          <a:p>
-            <a:r>
-              <a:rPr lang="en-US" altLang="ja-JP" dirty="0">
-                <a:latin typeface="+mj-ea"/>
-                <a:ea typeface="+mj-ea"/>
-              </a:rPr>
-              <a:t>VLAN</a:t>
-            </a:r>
-            <a:r>
-              <a:rPr lang="ja-JP" altLang="en-US" dirty="0">
-                <a:latin typeface="+mj-ea"/>
-                <a:ea typeface="+mj-ea"/>
-              </a:rPr>
-              <a:t>を用いてセグメントを分割し、</a:t>
-            </a:r>
-            <a:r>
-              <a:rPr lang="en-US" altLang="ja-JP" dirty="0" err="1">
-                <a:latin typeface="+mj-ea"/>
-                <a:ea typeface="+mj-ea"/>
-              </a:rPr>
-              <a:t>OpenFlow</a:t>
-            </a:r>
-            <a:r>
-              <a:rPr lang="ja-JP" altLang="en-US" dirty="0">
-                <a:latin typeface="+mj-ea"/>
-                <a:ea typeface="+mj-ea"/>
-              </a:rPr>
-              <a:t>を</a:t>
-            </a:r>
-            <a:br>
-              <a:rPr lang="en-US" altLang="ja-JP" dirty="0">
-                <a:latin typeface="+mj-ea"/>
-                <a:ea typeface="+mj-ea"/>
-              </a:rPr>
-            </a:br>
-            <a:r>
-              <a:rPr lang="ja-JP" altLang="en-US" dirty="0">
-                <a:latin typeface="+mj-ea"/>
-                <a:ea typeface="+mj-ea"/>
-              </a:rPr>
-              <a:t>用いてパケットの動きをコントロール</a:t>
-            </a:r>
-            <a:endParaRPr lang="en-US" altLang="ja-JP" dirty="0">
-              <a:latin typeface="+mj-ea"/>
-              <a:ea typeface="+mj-ea"/>
-            </a:endParaRPr>
-          </a:p>
-          <a:p>
-            <a:pPr lvl="1"/>
-            <a:r>
-              <a:rPr lang="ja-JP" altLang="en-US" dirty="0">
-                <a:latin typeface="+mj-ea"/>
-                <a:ea typeface="+mj-ea"/>
-              </a:rPr>
-              <a:t>他セグメントへのパケット通信ができないため、不正な</a:t>
-            </a:r>
-            <a:br>
-              <a:rPr lang="en-US" altLang="ja-JP" dirty="0">
-                <a:latin typeface="+mj-ea"/>
-                <a:ea typeface="+mj-ea"/>
-              </a:rPr>
-            </a:br>
-            <a:r>
-              <a:rPr lang="ja-JP" altLang="en-US" dirty="0">
-                <a:latin typeface="+mj-ea"/>
-                <a:ea typeface="+mj-ea"/>
-              </a:rPr>
-              <a:t>パケットの介入を防げる</a:t>
-            </a:r>
-            <a:endParaRPr lang="en-US" altLang="ja-JP" dirty="0">
-              <a:latin typeface="+mj-ea"/>
-              <a:ea typeface="+mj-ea"/>
-            </a:endParaRPr>
-          </a:p>
-          <a:p>
-            <a:endParaRPr lang="en-US" altLang="ja-JP" dirty="0">
-              <a:latin typeface="+mj-ea"/>
-              <a:ea typeface="+mj-ea"/>
-            </a:endParaRPr>
-          </a:p>
-        </p:txBody>
-      </p:sp>
-      <p:sp>
-        <p:nvSpPr>
-          <p:cNvPr id="4" name="スライド番号プレースホルダー 3"/>
-          <p:cNvSpPr>
-            <a:spLocks noGrp="1"/>
-          </p:cNvSpPr>
-          <p:nvPr>
-            <p:ph type="sldNum" sz="quarter" idx="12"/>
-          </p:nvPr>
-        </p:nvSpPr>
-        <p:spPr/>
-        <p:txBody>
-          <a:bodyPr/>
-          <a:lstStyle/>
-          <a:p>
-            <a:fld id="{EB6A3DD5-99EC-4EDD-8C09-808CCDC94454}" type="slidenum">
-              <a:rPr kumimoji="1" lang="ja-JP" altLang="en-US" smtClean="0"/>
-              <a:t>8</a:t>
-            </a:fld>
-            <a:endParaRPr kumimoji="1" lang="ja-JP" altLang="en-US"/>
-          </a:p>
-        </p:txBody>
-      </p:sp>
-      <p:sp>
-        <p:nvSpPr>
-          <p:cNvPr id="7" name="タイトル 1"/>
-          <p:cNvSpPr>
-            <a:spLocks noGrp="1"/>
-          </p:cNvSpPr>
-          <p:nvPr>
-            <p:ph type="title"/>
-          </p:nvPr>
-        </p:nvSpPr>
-        <p:spPr>
-          <a:xfrm>
-            <a:off x="628650" y="365126"/>
-            <a:ext cx="7886700" cy="1325563"/>
-          </a:xfrm>
-        </p:spPr>
-        <p:txBody>
-          <a:bodyPr/>
-          <a:lstStyle/>
-          <a:p>
-            <a:r>
-              <a:rPr kumimoji="1" lang="ja-JP" altLang="en-US" dirty="0">
-                <a:latin typeface="+mj-ea"/>
-              </a:rPr>
-              <a:t>シミュレータによる検証</a:t>
-            </a:r>
-          </a:p>
-        </p:txBody>
-      </p:sp>
-    </p:spTree>
-    <p:extLst>
-      <p:ext uri="{BB962C8B-B14F-4D97-AF65-F5344CB8AC3E}">
-        <p14:creationId xmlns:p14="http://schemas.microsoft.com/office/powerpoint/2010/main" val="1186034396"/>
-      </p:ext>
-    </p:extLst>
-  </p:cSld>
-  <p:clrMapOvr>
-    <a:masterClrMapping/>
-  </p:clrMapOvr>
-</p:sld>
-</file>
-
-<file path=ppt/slides/slide9.xml><?xml version="1.0" encoding="utf-8"?>
-<p:sld xmlns:a="http://schemas.openxmlformats.org/drawingml/2006/main" xmlns:r="http://schemas.openxmlformats.org/officeDocument/2006/relationships" xmlns:p="http://schemas.openxmlformats.org/presentationml/2006/main">
-  <p:cSld>
-    <p:spTree>
-      <p:nvGrpSpPr>
-        <p:cNvPr id="1" name=""/>
-        <p:cNvGrpSpPr/>
-        <p:nvPr/>
-      </p:nvGrpSpPr>
-      <p:grpSpPr>
-        <a:xfrm>
-          <a:off x="0" y="0"/>
-          <a:ext cx="0" cy="0"/>
-          <a:chOff x="0" y="0"/>
-          <a:chExt cx="0" cy="0"/>
-        </a:xfrm>
-      </p:grpSpPr>
-      <p:sp>
-        <p:nvSpPr>
-          <p:cNvPr id="2" name="タイトル 1"/>
-          <p:cNvSpPr>
-            <a:spLocks noGrp="1"/>
-          </p:cNvSpPr>
-          <p:nvPr>
-            <p:ph type="title"/>
-          </p:nvPr>
-        </p:nvSpPr>
-        <p:spPr/>
-        <p:txBody>
-          <a:bodyPr/>
-          <a:lstStyle/>
-          <a:p>
-            <a:r>
-              <a:rPr kumimoji="1" lang="ja-JP" altLang="en-US" dirty="0">
-                <a:latin typeface="+mj-ea"/>
-              </a:rPr>
-              <a:t>シミュレータによる検証</a:t>
-            </a:r>
-          </a:p>
-        </p:txBody>
-      </p:sp>
-      <p:sp>
-        <p:nvSpPr>
-          <p:cNvPr id="4" name="スライド番号プレースホルダー 3"/>
-          <p:cNvSpPr>
-            <a:spLocks noGrp="1"/>
-          </p:cNvSpPr>
-          <p:nvPr>
-            <p:ph type="sldNum" sz="quarter" idx="12"/>
-          </p:nvPr>
-        </p:nvSpPr>
-        <p:spPr/>
-        <p:txBody>
-          <a:bodyPr/>
-          <a:lstStyle/>
-          <a:p>
-            <a:fld id="{EB6A3DD5-99EC-4EDD-8C09-808CCDC94454}" type="slidenum">
-              <a:rPr kumimoji="1" lang="ja-JP" altLang="en-US" smtClean="0"/>
-              <a:t>9</a:t>
-            </a:fld>
-            <a:endParaRPr kumimoji="1" lang="ja-JP" altLang="en-US"/>
-          </a:p>
-        </p:txBody>
-      </p:sp>
-      <p:pic>
-        <p:nvPicPr>
-          <p:cNvPr id="6" name="図 5"/>
-          <p:cNvPicPr>
-            <a:picLocks noChangeAspect="1"/>
-          </p:cNvPicPr>
-          <p:nvPr/>
-        </p:nvPicPr>
-        <p:blipFill>
-          <a:blip r:embed="rId2">
-            <a:extLst>
-              <a:ext uri="{28A0092B-C50C-407E-A947-70E740481C1C}">
-                <a14:useLocalDpi xmlns:a14="http://schemas.microsoft.com/office/drawing/2010/main" val="0"/>
-              </a:ext>
-            </a:extLst>
-          </a:blip>
-          <a:stretch>
-            <a:fillRect/>
-          </a:stretch>
-        </p:blipFill>
-        <p:spPr>
-          <a:xfrm>
-            <a:off x="4586455" y="2939639"/>
-            <a:ext cx="3925557" cy="3600000"/>
-          </a:xfrm>
-          <a:prstGeom prst="rect">
-            <a:avLst/>
-          </a:prstGeom>
-        </p:spPr>
-      </p:pic>
-      <p:sp>
-        <p:nvSpPr>
-          <p:cNvPr id="8" name="コンテンツ プレースホルダー 7"/>
-          <p:cNvSpPr>
-            <a:spLocks noGrp="1"/>
-          </p:cNvSpPr>
-          <p:nvPr>
-            <p:ph idx="1"/>
-          </p:nvPr>
-        </p:nvSpPr>
-        <p:spPr/>
-        <p:txBody>
-          <a:bodyPr/>
-          <a:lstStyle/>
-          <a:p>
-            <a:r>
-              <a:rPr lang="ja-JP" altLang="en-US" dirty="0">
-                <a:latin typeface="+mj-ea"/>
-                <a:ea typeface="+mj-ea"/>
-              </a:rPr>
-              <a:t>通信の開始に送信側が送る「ブロードキャスト</a:t>
-            </a:r>
-            <a:br>
-              <a:rPr lang="en-US" altLang="ja-JP" dirty="0">
-                <a:latin typeface="+mj-ea"/>
-                <a:ea typeface="+mj-ea"/>
-              </a:rPr>
-            </a:br>
-            <a:r>
-              <a:rPr lang="ja-JP" altLang="en-US" dirty="0">
-                <a:latin typeface="+mj-ea"/>
-                <a:ea typeface="+mj-ea"/>
-              </a:rPr>
-              <a:t>通信」の挙動で確認ができる</a:t>
-            </a:r>
-            <a:endParaRPr kumimoji="1" lang="ja-JP" altLang="en-US" dirty="0">
-              <a:latin typeface="+mj-ea"/>
-              <a:ea typeface="+mj-ea"/>
-            </a:endParaRPr>
-          </a:p>
-        </p:txBody>
-      </p:sp>
-      <p:pic>
-        <p:nvPicPr>
-          <p:cNvPr id="9" name="図 8"/>
-          <p:cNvPicPr>
-            <a:picLocks noChangeAspect="1"/>
-          </p:cNvPicPr>
-          <p:nvPr/>
-        </p:nvPicPr>
-        <p:blipFill>
-          <a:blip r:embed="rId3">
-            <a:extLst>
-              <a:ext uri="{28A0092B-C50C-407E-A947-70E740481C1C}">
-                <a14:useLocalDpi xmlns:a14="http://schemas.microsoft.com/office/drawing/2010/main" val="0"/>
-              </a:ext>
-            </a:extLst>
-          </a:blip>
-          <a:stretch>
-            <a:fillRect/>
-          </a:stretch>
-        </p:blipFill>
-        <p:spPr>
-          <a:xfrm>
-            <a:off x="628650" y="2939639"/>
-            <a:ext cx="3912500" cy="3600000"/>
-          </a:xfrm>
-          <a:prstGeom prst="rect">
-            <a:avLst/>
-          </a:prstGeom>
-        </p:spPr>
-      </p:pic>
-    </p:spTree>
-    <p:extLst>
-      <p:ext uri="{BB962C8B-B14F-4D97-AF65-F5344CB8AC3E}">
-        <p14:creationId xmlns:p14="http://schemas.microsoft.com/office/powerpoint/2010/main" val="603834934"/>
-      </p:ext>
-    </p:extLst>
-  </p:cSld>
-  <p:clrMapOvr>
-    <a:masterClrMapping/>
-  </p:clrMapOvr>
 </p:sld>
 </file>
 
